--- a/materials/slides/ch05-2.pptx
+++ b/materials/slides/ch05-2.pptx
@@ -5,26 +5,27 @@
     <p:sldMasterId id="2147483669" r:id="rId1"/>
   </p:sldMasterIdLst>
   <p:notesMasterIdLst>
-    <p:notesMasterId r:id="rId19"/>
+    <p:notesMasterId r:id="rId20"/>
   </p:notesMasterIdLst>
   <p:sldIdLst>
     <p:sldId id="351" r:id="rId2"/>
     <p:sldId id="537" r:id="rId3"/>
     <p:sldId id="552" r:id="rId4"/>
     <p:sldId id="539" r:id="rId5"/>
-    <p:sldId id="540" r:id="rId6"/>
-    <p:sldId id="541" r:id="rId7"/>
-    <p:sldId id="554" r:id="rId8"/>
-    <p:sldId id="555" r:id="rId9"/>
-    <p:sldId id="556" r:id="rId10"/>
-    <p:sldId id="557" r:id="rId11"/>
-    <p:sldId id="546" r:id="rId12"/>
-    <p:sldId id="553" r:id="rId13"/>
-    <p:sldId id="548" r:id="rId14"/>
-    <p:sldId id="549" r:id="rId15"/>
-    <p:sldId id="550" r:id="rId16"/>
-    <p:sldId id="551" r:id="rId17"/>
-    <p:sldId id="262" r:id="rId18"/>
+    <p:sldId id="558" r:id="rId6"/>
+    <p:sldId id="540" r:id="rId7"/>
+    <p:sldId id="541" r:id="rId8"/>
+    <p:sldId id="554" r:id="rId9"/>
+    <p:sldId id="555" r:id="rId10"/>
+    <p:sldId id="556" r:id="rId11"/>
+    <p:sldId id="557" r:id="rId12"/>
+    <p:sldId id="546" r:id="rId13"/>
+    <p:sldId id="553" r:id="rId14"/>
+    <p:sldId id="548" r:id="rId15"/>
+    <p:sldId id="549" r:id="rId16"/>
+    <p:sldId id="550" r:id="rId17"/>
+    <p:sldId id="551" r:id="rId18"/>
+    <p:sldId id="262" r:id="rId19"/>
   </p:sldIdLst>
   <p:sldSz cx="12192000" cy="6858000"/>
   <p:notesSz cx="6858000" cy="9144000"/>
@@ -125,7 +126,7 @@
   </p:defaultTextStyle>
   <p:extLst>
     <p:ext uri="{EFAFB233-063F-42B5-8137-9DF3F51BA10A}">
-      <p15:sldGuideLst xmlns:p15="http://schemas.microsoft.com/office/powerpoint/2012/main">
+      <p15:sldGuideLst xmlns:p15="http://schemas.microsoft.com/office/powerpoint/2012/main" xmlns="">
         <p15:guide id="1" orient="horz" pos="2160" userDrawn="1">
           <p15:clr>
             <a:srgbClr val="A4A3A4"/>
@@ -147,7 +148,7 @@
   <p:cmAuthor id="1" name="Eetze" initials="E" lastIdx="1" clrIdx="0">
     <p:extLst>
       <p:ext uri="{19B8F6BF-5375-455C-9EA6-DF929625EA0E}">
-        <p15:presenceInfo xmlns:p15="http://schemas.microsoft.com/office/powerpoint/2012/main" userId="Eetze" providerId="None"/>
+        <p15:presenceInfo xmlns:p15="http://schemas.microsoft.com/office/powerpoint/2012/main" xmlns="" userId="Eetze" providerId="None"/>
       </p:ext>
     </p:extLst>
   </p:cmAuthor>
@@ -236,7 +237,7 @@
           <a:p>
             <a:fld id="{A097A4FE-15A4-4468-9890-CEB24014ACB3}" type="datetimeFigureOut">
               <a:rPr lang="zh-CN" altLang="en-US" smtClean="0"/>
-              <a:t>2018/3/22</a:t>
+              <a:t>2018/10/23</a:t>
             </a:fld>
             <a:endParaRPr lang="zh-CN" altLang="en-US"/>
           </a:p>
@@ -1660,7 +1661,7 @@
           <a:p>
             <a:fld id="{530820CF-B880-4189-942D-D702A7CBA730}" type="datetimeFigureOut">
               <a:rPr lang="zh-CN" altLang="en-US" smtClean="0"/>
-              <a:t>2018/3/22</a:t>
+              <a:t>2018/10/23</a:t>
             </a:fld>
             <a:endParaRPr lang="zh-CN" altLang="en-US"/>
           </a:p>
@@ -1779,7 +1780,7 @@
           <a:p>
             <a:fld id="{530820CF-B880-4189-942D-D702A7CBA730}" type="datetimeFigureOut">
               <a:rPr lang="zh-CN" altLang="en-US" smtClean="0"/>
-              <a:t>2018/3/22</a:t>
+              <a:t>2018/10/23</a:t>
             </a:fld>
             <a:endParaRPr lang="zh-CN" altLang="en-US"/>
           </a:p>
@@ -2182,7 +2183,7 @@
           <a:p>
             <a:fld id="{530820CF-B880-4189-942D-D702A7CBA730}" type="datetimeFigureOut">
               <a:rPr lang="zh-CN" altLang="en-US" smtClean="0"/>
-              <a:t>2018/3/22</a:t>
+              <a:t>2018/10/23</a:t>
             </a:fld>
             <a:endParaRPr lang="zh-CN" altLang="en-US"/>
           </a:p>
@@ -2834,6 +2835,742 @@
         </p:nvSpPr>
         <p:spPr>
           <a:xfrm>
+            <a:off x="839416" y="1484784"/>
+            <a:ext cx="10742984" cy="690662"/>
+          </a:xfrm>
+        </p:spPr>
+        <p:txBody>
+          <a:bodyPr>
+            <a:noAutofit/>
+          </a:bodyPr>
+          <a:lstStyle/>
+          <a:p>
+            <a:pPr marL="342900" lvl="1" indent="-342900">
+              <a:spcBef>
+                <a:spcPts val="600"/>
+              </a:spcBef>
+              <a:spcAft>
+                <a:spcPts val="600"/>
+              </a:spcAft>
+              <a:buFont typeface="Arial" pitchFamily="34" charset="0"/>
+              <a:buChar char="•"/>
+            </a:pPr>
+            <a:r>
+              <a:rPr lang="zh-CN" altLang="en-US" sz="3200">
+                <a:solidFill>
+                  <a:schemeClr val="tx1">
+                    <a:lumMod val="85000"/>
+                    <a:lumOff val="15000"/>
+                  </a:schemeClr>
+                </a:solidFill>
+              </a:rPr>
+              <a:t>打开地图：</a:t>
+            </a:r>
+            <a:endParaRPr lang="en-US" altLang="zh-CN" sz="3200" dirty="0">
+              <a:solidFill>
+                <a:schemeClr val="tx1">
+                  <a:lumMod val="85000"/>
+                  <a:lumOff val="15000"/>
+                </a:schemeClr>
+              </a:solidFill>
+            </a:endParaRPr>
+          </a:p>
+        </p:txBody>
+      </p:sp>
+      <p:sp>
+        <p:nvSpPr>
+          <p:cNvPr id="2053" name="Rectangle 2"/>
+          <p:cNvSpPr>
+            <a:spLocks noChangeArrowheads="1"/>
+          </p:cNvSpPr>
+          <p:nvPr/>
+        </p:nvSpPr>
+        <p:spPr bwMode="auto">
+          <a:xfrm>
+            <a:off x="1524001" y="-184666"/>
+            <a:ext cx="184731" cy="369332"/>
+          </a:xfrm>
+          <a:prstGeom prst="rect">
+            <a:avLst/>
+          </a:prstGeom>
+          <a:noFill/>
+          <a:ln>
+            <a:noFill/>
+          </a:ln>
+          <a:extLst>
+            <a:ext uri="{909E8E84-426E-40DD-AFC4-6F175D3DCCD1}">
+              <a14:hiddenFill xmlns:a14="http://schemas.microsoft.com/office/drawing/2010/main">
+                <a:solidFill>
+                  <a:srgbClr val="FFFFFF"/>
+                </a:solidFill>
+              </a14:hiddenFill>
+            </a:ext>
+            <a:ext uri="{91240B29-F687-4F45-9708-019B960494DF}">
+              <a14:hiddenLine xmlns:a14="http://schemas.microsoft.com/office/drawing/2010/main" w="9525" algn="ctr">
+                <a:solidFill>
+                  <a:srgbClr val="000000"/>
+                </a:solidFill>
+                <a:miter lim="800000"/>
+                <a:headEnd/>
+                <a:tailEnd/>
+              </a14:hiddenLine>
+            </a:ext>
+          </a:extLst>
+        </p:spPr>
+        <p:txBody>
+          <a:bodyPr wrap="none" anchor="ctr">
+            <a:spAutoFit/>
+          </a:bodyPr>
+          <a:lstStyle/>
+          <a:p>
+            <a:pPr>
+              <a:spcBef>
+                <a:spcPct val="20000"/>
+              </a:spcBef>
+              <a:buClr>
+                <a:schemeClr val="accent2"/>
+              </a:buClr>
+              <a:buSzPct val="70000"/>
+              <a:buFont typeface="Wingdings" pitchFamily="2" charset="2"/>
+              <a:buNone/>
+            </a:pPr>
+            <a:endParaRPr lang="zh-CN" altLang="en-US"/>
+          </a:p>
+        </p:txBody>
+      </p:sp>
+      <p:sp>
+        <p:nvSpPr>
+          <p:cNvPr id="7" name="矩形 6"/>
+          <p:cNvSpPr/>
+          <p:nvPr/>
+        </p:nvSpPr>
+        <p:spPr>
+          <a:xfrm>
+            <a:off x="1559496" y="2242592"/>
+            <a:ext cx="9289032" cy="1906488"/>
+          </a:xfrm>
+          <a:prstGeom prst="rect">
+            <a:avLst/>
+          </a:prstGeom>
+          <a:solidFill>
+            <a:schemeClr val="accent5">
+              <a:lumMod val="20000"/>
+              <a:lumOff val="80000"/>
+            </a:schemeClr>
+          </a:solidFill>
+          <a:ln w="38100">
+            <a:solidFill>
+              <a:schemeClr val="tx1">
+                <a:lumMod val="65000"/>
+                <a:lumOff val="35000"/>
+              </a:schemeClr>
+            </a:solidFill>
+          </a:ln>
+          <a:effectLst>
+            <a:outerShdw blurRad="50800" dist="38100" dir="2700000" algn="tl" rotWithShape="0">
+              <a:prstClr val="black">
+                <a:alpha val="40000"/>
+              </a:prstClr>
+            </a:outerShdw>
+          </a:effectLst>
+        </p:spPr>
+        <p:style>
+          <a:lnRef idx="2">
+            <a:schemeClr val="accent1">
+              <a:shade val="50000"/>
+            </a:schemeClr>
+          </a:lnRef>
+          <a:fillRef idx="1">
+            <a:schemeClr val="accent1"/>
+          </a:fillRef>
+          <a:effectRef idx="0">
+            <a:schemeClr val="accent1"/>
+          </a:effectRef>
+          <a:fontRef idx="minor">
+            <a:schemeClr val="lt1"/>
+          </a:fontRef>
+        </p:style>
+        <p:txBody>
+          <a:bodyPr rtlCol="0" anchor="ctr"/>
+          <a:lstStyle/>
+          <a:p>
+            <a:pPr>
+              <a:defRPr/>
+            </a:pPr>
+            <a:r>
+              <a:rPr lang="en-US" altLang="zh-CN" sz="2800" b="1">
+                <a:solidFill>
+                  <a:schemeClr val="tx1">
+                    <a:lumMod val="85000"/>
+                    <a:lumOff val="15000"/>
+                  </a:schemeClr>
+                </a:solidFill>
+                <a:latin typeface="Consolas" panose="020B0609020204030204" pitchFamily="49" charset="0"/>
+              </a:rPr>
+              <a:t>Intent i = new Intent();</a:t>
+            </a:r>
+          </a:p>
+          <a:p>
+            <a:pPr>
+              <a:defRPr/>
+            </a:pPr>
+            <a:r>
+              <a:rPr lang="en-US" altLang="zh-CN" sz="2800" b="1" smtClean="0">
+                <a:solidFill>
+                  <a:schemeClr val="tx1">
+                    <a:lumMod val="85000"/>
+                    <a:lumOff val="15000"/>
+                  </a:schemeClr>
+                </a:solidFill>
+                <a:latin typeface="Consolas" panose="020B0609020204030204" pitchFamily="49" charset="0"/>
+              </a:rPr>
+              <a:t>i.setAction(</a:t>
+            </a:r>
+            <a:r>
+              <a:rPr lang="en-US" altLang="zh-CN" sz="2800" b="1" smtClean="0">
+                <a:solidFill>
+                  <a:srgbClr val="C00000"/>
+                </a:solidFill>
+                <a:latin typeface="Consolas" panose="020B0609020204030204" pitchFamily="49" charset="0"/>
+              </a:rPr>
+              <a:t>Intent.ACTION_VIEW</a:t>
+            </a:r>
+            <a:r>
+              <a:rPr lang="en-US" altLang="zh-CN" sz="2800" b="1">
+                <a:solidFill>
+                  <a:schemeClr val="tx1">
+                    <a:lumMod val="85000"/>
+                    <a:lumOff val="15000"/>
+                  </a:schemeClr>
+                </a:solidFill>
+                <a:latin typeface="Consolas" panose="020B0609020204030204" pitchFamily="49" charset="0"/>
+              </a:rPr>
+              <a:t>); </a:t>
+            </a:r>
+          </a:p>
+          <a:p>
+            <a:pPr>
+              <a:defRPr/>
+            </a:pPr>
+            <a:r>
+              <a:rPr lang="en-US" altLang="zh-CN" sz="2800" b="1" smtClean="0">
+                <a:solidFill>
+                  <a:schemeClr val="tx1">
+                    <a:lumMod val="85000"/>
+                    <a:lumOff val="15000"/>
+                  </a:schemeClr>
+                </a:solidFill>
+                <a:latin typeface="Consolas" panose="020B0609020204030204" pitchFamily="49" charset="0"/>
+              </a:rPr>
+              <a:t>i.setData(Uri.parse("</a:t>
+            </a:r>
+            <a:r>
+              <a:rPr lang="en-US" altLang="zh-CN" sz="2800" b="1" smtClean="0">
+                <a:solidFill>
+                  <a:srgbClr val="C00000"/>
+                </a:solidFill>
+                <a:latin typeface="Consolas" panose="020B0609020204030204" pitchFamily="49" charset="0"/>
+              </a:rPr>
+              <a:t>geo:39.89,116.3</a:t>
+            </a:r>
+            <a:r>
+              <a:rPr lang="en-US" altLang="zh-CN" sz="2800" b="1" smtClean="0">
+                <a:solidFill>
+                  <a:schemeClr val="tx1">
+                    <a:lumMod val="85000"/>
+                    <a:lumOff val="15000"/>
+                  </a:schemeClr>
+                </a:solidFill>
+                <a:latin typeface="Consolas" panose="020B0609020204030204" pitchFamily="49" charset="0"/>
+              </a:rPr>
+              <a:t>"));</a:t>
+            </a:r>
+            <a:endParaRPr lang="en-US" altLang="zh-CN" sz="2800" b="1">
+              <a:solidFill>
+                <a:schemeClr val="tx1">
+                  <a:lumMod val="85000"/>
+                  <a:lumOff val="15000"/>
+                </a:schemeClr>
+              </a:solidFill>
+              <a:latin typeface="Consolas" panose="020B0609020204030204" pitchFamily="49" charset="0"/>
+            </a:endParaRPr>
+          </a:p>
+          <a:p>
+            <a:pPr>
+              <a:defRPr/>
+            </a:pPr>
+            <a:r>
+              <a:rPr lang="en-US" altLang="zh-CN" sz="2800" b="1" smtClean="0">
+                <a:solidFill>
+                  <a:schemeClr val="tx1">
+                    <a:lumMod val="85000"/>
+                    <a:lumOff val="15000"/>
+                  </a:schemeClr>
+                </a:solidFill>
+                <a:latin typeface="Consolas" panose="020B0609020204030204" pitchFamily="49" charset="0"/>
+              </a:rPr>
+              <a:t>startActivity(i);</a:t>
+            </a:r>
+            <a:endParaRPr lang="en-US" altLang="zh-CN" sz="2800" b="1">
+              <a:solidFill>
+                <a:schemeClr val="tx1">
+                  <a:lumMod val="85000"/>
+                  <a:lumOff val="15000"/>
+                </a:schemeClr>
+              </a:solidFill>
+              <a:latin typeface="Consolas" panose="020B0609020204030204" pitchFamily="49" charset="0"/>
+            </a:endParaRPr>
+          </a:p>
+        </p:txBody>
+      </p:sp>
+      <p:sp>
+        <p:nvSpPr>
+          <p:cNvPr id="9" name="内容占位符 2"/>
+          <p:cNvSpPr>
+            <a:spLocks noGrp="1"/>
+          </p:cNvSpPr>
+          <p:nvPr>
+            <p:ph idx="4294967295"/>
+          </p:nvPr>
+        </p:nvSpPr>
+        <p:spPr>
+          <a:xfrm>
+            <a:off x="839416" y="4349874"/>
+            <a:ext cx="9865096" cy="1167358"/>
+          </a:xfrm>
+        </p:spPr>
+        <p:txBody>
+          <a:bodyPr>
+            <a:noAutofit/>
+          </a:bodyPr>
+          <a:lstStyle/>
+          <a:p>
+            <a:pPr marL="857250" lvl="2" indent="-457200">
+              <a:spcBef>
+                <a:spcPts val="600"/>
+              </a:spcBef>
+              <a:spcAft>
+                <a:spcPts val="600"/>
+              </a:spcAft>
+              <a:buFont typeface="微软雅黑" panose="020B0503020204020204" pitchFamily="34" charset="-122"/>
+              <a:buChar char="‐"/>
+              <a:defRPr/>
+            </a:pPr>
+            <a:r>
+              <a:rPr lang="en-US" altLang="zh-CN" sz="2800">
+                <a:solidFill>
+                  <a:schemeClr val="tx1">
+                    <a:lumMod val="85000"/>
+                    <a:lumOff val="15000"/>
+                  </a:schemeClr>
+                </a:solidFill>
+              </a:rPr>
+              <a:t>geo</a:t>
+            </a:r>
+            <a:r>
+              <a:rPr lang="zh-CN" altLang="en-US" sz="2800">
+                <a:solidFill>
+                  <a:schemeClr val="tx1">
+                    <a:lumMod val="85000"/>
+                    <a:lumOff val="15000"/>
+                  </a:schemeClr>
+                </a:solidFill>
+              </a:rPr>
+              <a:t>：后的参数代表当前地理位置的经度和纬度</a:t>
+            </a:r>
+            <a:r>
+              <a:rPr lang="zh-CN" altLang="en-US" sz="2800" smtClean="0">
+                <a:solidFill>
+                  <a:schemeClr val="tx1">
+                    <a:lumMod val="85000"/>
+                    <a:lumOff val="15000"/>
+                  </a:schemeClr>
+                </a:solidFill>
+              </a:rPr>
+              <a:t>值</a:t>
+            </a:r>
+            <a:r>
+              <a:rPr lang="zh-CN" altLang="en-US" sz="2800">
+                <a:solidFill>
+                  <a:schemeClr val="tx1">
+                    <a:lumMod val="85000"/>
+                    <a:lumOff val="15000"/>
+                  </a:schemeClr>
+                </a:solidFill>
+              </a:rPr>
+              <a:t>。</a:t>
+            </a:r>
+          </a:p>
+          <a:p>
+            <a:pPr marL="857250" lvl="2" indent="-457200">
+              <a:spcBef>
+                <a:spcPts val="600"/>
+              </a:spcBef>
+              <a:spcAft>
+                <a:spcPts val="600"/>
+              </a:spcAft>
+              <a:buFont typeface="微软雅黑" panose="020B0503020204020204" pitchFamily="34" charset="-122"/>
+              <a:buChar char="‐"/>
+              <a:defRPr/>
+            </a:pPr>
+            <a:r>
+              <a:rPr lang="zh-CN" altLang="en-US" sz="2800">
+                <a:solidFill>
+                  <a:schemeClr val="tx1">
+                    <a:lumMod val="85000"/>
+                    <a:lumOff val="15000"/>
+                  </a:schemeClr>
+                </a:solidFill>
+              </a:rPr>
+              <a:t>该段代码会打开本机默认的地图</a:t>
+            </a:r>
+            <a:r>
+              <a:rPr lang="zh-CN" altLang="en-US" sz="2800" smtClean="0">
+                <a:solidFill>
+                  <a:schemeClr val="tx1">
+                    <a:lumMod val="85000"/>
+                    <a:lumOff val="15000"/>
+                  </a:schemeClr>
+                </a:solidFill>
+              </a:rPr>
+              <a:t>软件。</a:t>
+            </a:r>
+            <a:endParaRPr lang="zh-CN" altLang="en-US" sz="2800">
+              <a:solidFill>
+                <a:schemeClr val="tx1">
+                  <a:lumMod val="85000"/>
+                  <a:lumOff val="15000"/>
+                </a:schemeClr>
+              </a:solidFill>
+            </a:endParaRPr>
+          </a:p>
+        </p:txBody>
+      </p:sp>
+    </p:spTree>
+    <p:extLst>
+      <p:ext uri="{BB962C8B-B14F-4D97-AF65-F5344CB8AC3E}">
+        <p14:creationId xmlns:p14="http://schemas.microsoft.com/office/powerpoint/2010/main" val="1566637519"/>
+      </p:ext>
+    </p:extLst>
+  </p:cSld>
+  <p:clrMapOvr>
+    <a:masterClrMapping/>
+  </p:clrMapOvr>
+  <p:timing>
+    <p:tnLst>
+      <p:par>
+        <p:cTn id="1" dur="indefinite" restart="never" nodeType="tmRoot">
+          <p:childTnLst>
+            <p:seq concurrent="1" nextAc="seek">
+              <p:cTn id="2" dur="indefinite" nodeType="mainSeq">
+                <p:childTnLst>
+                  <p:par>
+                    <p:cTn id="3" fill="hold">
+                      <p:stCondLst>
+                        <p:cond delay="indefinite"/>
+                        <p:cond evt="onBegin" delay="0">
+                          <p:tn val="2"/>
+                        </p:cond>
+                      </p:stCondLst>
+                      <p:childTnLst>
+                        <p:par>
+                          <p:cTn id="4" fill="hold">
+                            <p:stCondLst>
+                              <p:cond delay="0"/>
+                            </p:stCondLst>
+                            <p:childTnLst>
+                              <p:par>
+                                <p:cTn id="5" presetID="42" presetClass="entr" presetSubtype="0" fill="hold" nodeType="withEffect">
+                                  <p:stCondLst>
+                                    <p:cond delay="0"/>
+                                  </p:stCondLst>
+                                  <p:childTnLst>
+                                    <p:set>
+                                      <p:cBhvr>
+                                        <p:cTn id="6" dur="1" fill="hold">
+                                          <p:stCondLst>
+                                            <p:cond delay="0"/>
+                                          </p:stCondLst>
+                                        </p:cTn>
+                                        <p:tgtEl>
+                                          <p:spTgt spid="9">
+                                            <p:txEl>
+                                              <p:pRg st="0" end="0"/>
+                                            </p:txEl>
+                                          </p:spTgt>
+                                        </p:tgtEl>
+                                        <p:attrNameLst>
+                                          <p:attrName>style.visibility</p:attrName>
+                                        </p:attrNameLst>
+                                      </p:cBhvr>
+                                      <p:to>
+                                        <p:strVal val="visible"/>
+                                      </p:to>
+                                    </p:set>
+                                    <p:animEffect transition="in" filter="fade">
+                                      <p:cBhvr>
+                                        <p:cTn id="7" dur="1000"/>
+                                        <p:tgtEl>
+                                          <p:spTgt spid="9">
+                                            <p:txEl>
+                                              <p:pRg st="0" end="0"/>
+                                            </p:txEl>
+                                          </p:spTgt>
+                                        </p:tgtEl>
+                                      </p:cBhvr>
+                                    </p:animEffect>
+                                    <p:anim calcmode="lin" valueType="num">
+                                      <p:cBhvr>
+                                        <p:cTn id="8" dur="1000" fill="hold"/>
+                                        <p:tgtEl>
+                                          <p:spTgt spid="9">
+                                            <p:txEl>
+                                              <p:pRg st="0" end="0"/>
+                                            </p:txEl>
+                                          </p:spTgt>
+                                        </p:tgtEl>
+                                        <p:attrNameLst>
+                                          <p:attrName>ppt_x</p:attrName>
+                                        </p:attrNameLst>
+                                      </p:cBhvr>
+                                      <p:tavLst>
+                                        <p:tav tm="0">
+                                          <p:val>
+                                            <p:strVal val="#ppt_x"/>
+                                          </p:val>
+                                        </p:tav>
+                                        <p:tav tm="100000">
+                                          <p:val>
+                                            <p:strVal val="#ppt_x"/>
+                                          </p:val>
+                                        </p:tav>
+                                      </p:tavLst>
+                                    </p:anim>
+                                    <p:anim calcmode="lin" valueType="num">
+                                      <p:cBhvr>
+                                        <p:cTn id="9" dur="1000" fill="hold"/>
+                                        <p:tgtEl>
+                                          <p:spTgt spid="9">
+                                            <p:txEl>
+                                              <p:pRg st="0" end="0"/>
+                                            </p:txEl>
+                                          </p:spTgt>
+                                        </p:tgtEl>
+                                        <p:attrNameLst>
+                                          <p:attrName>ppt_y</p:attrName>
+                                        </p:attrNameLst>
+                                      </p:cBhvr>
+                                      <p:tavLst>
+                                        <p:tav tm="0">
+                                          <p:val>
+                                            <p:strVal val="#ppt_y+.1"/>
+                                          </p:val>
+                                        </p:tav>
+                                        <p:tav tm="100000">
+                                          <p:val>
+                                            <p:strVal val="#ppt_y"/>
+                                          </p:val>
+                                        </p:tav>
+                                      </p:tavLst>
+                                    </p:anim>
+                                  </p:childTnLst>
+                                </p:cTn>
+                              </p:par>
+                              <p:par>
+                                <p:cTn id="10" presetID="42" presetClass="entr" presetSubtype="0" fill="hold" nodeType="withEffect">
+                                  <p:stCondLst>
+                                    <p:cond delay="0"/>
+                                  </p:stCondLst>
+                                  <p:childTnLst>
+                                    <p:set>
+                                      <p:cBhvr>
+                                        <p:cTn id="11" dur="1" fill="hold">
+                                          <p:stCondLst>
+                                            <p:cond delay="0"/>
+                                          </p:stCondLst>
+                                        </p:cTn>
+                                        <p:tgtEl>
+                                          <p:spTgt spid="9">
+                                            <p:txEl>
+                                              <p:pRg st="1" end="1"/>
+                                            </p:txEl>
+                                          </p:spTgt>
+                                        </p:tgtEl>
+                                        <p:attrNameLst>
+                                          <p:attrName>style.visibility</p:attrName>
+                                        </p:attrNameLst>
+                                      </p:cBhvr>
+                                      <p:to>
+                                        <p:strVal val="visible"/>
+                                      </p:to>
+                                    </p:set>
+                                    <p:animEffect transition="in" filter="fade">
+                                      <p:cBhvr>
+                                        <p:cTn id="12" dur="1000"/>
+                                        <p:tgtEl>
+                                          <p:spTgt spid="9">
+                                            <p:txEl>
+                                              <p:pRg st="1" end="1"/>
+                                            </p:txEl>
+                                          </p:spTgt>
+                                        </p:tgtEl>
+                                      </p:cBhvr>
+                                    </p:animEffect>
+                                    <p:anim calcmode="lin" valueType="num">
+                                      <p:cBhvr>
+                                        <p:cTn id="13" dur="1000" fill="hold"/>
+                                        <p:tgtEl>
+                                          <p:spTgt spid="9">
+                                            <p:txEl>
+                                              <p:pRg st="1" end="1"/>
+                                            </p:txEl>
+                                          </p:spTgt>
+                                        </p:tgtEl>
+                                        <p:attrNameLst>
+                                          <p:attrName>ppt_x</p:attrName>
+                                        </p:attrNameLst>
+                                      </p:cBhvr>
+                                      <p:tavLst>
+                                        <p:tav tm="0">
+                                          <p:val>
+                                            <p:strVal val="#ppt_x"/>
+                                          </p:val>
+                                        </p:tav>
+                                        <p:tav tm="100000">
+                                          <p:val>
+                                            <p:strVal val="#ppt_x"/>
+                                          </p:val>
+                                        </p:tav>
+                                      </p:tavLst>
+                                    </p:anim>
+                                    <p:anim calcmode="lin" valueType="num">
+                                      <p:cBhvr>
+                                        <p:cTn id="14" dur="1000" fill="hold"/>
+                                        <p:tgtEl>
+                                          <p:spTgt spid="9">
+                                            <p:txEl>
+                                              <p:pRg st="1" end="1"/>
+                                            </p:txEl>
+                                          </p:spTgt>
+                                        </p:tgtEl>
+                                        <p:attrNameLst>
+                                          <p:attrName>ppt_y</p:attrName>
+                                        </p:attrNameLst>
+                                      </p:cBhvr>
+                                      <p:tavLst>
+                                        <p:tav tm="0">
+                                          <p:val>
+                                            <p:strVal val="#ppt_y+.1"/>
+                                          </p:val>
+                                        </p:tav>
+                                        <p:tav tm="100000">
+                                          <p:val>
+                                            <p:strVal val="#ppt_y"/>
+                                          </p:val>
+                                        </p:tav>
+                                      </p:tavLst>
+                                    </p:anim>
+                                  </p:childTnLst>
+                                </p:cTn>
+                              </p:par>
+                            </p:childTnLst>
+                          </p:cTn>
+                        </p:par>
+                      </p:childTnLst>
+                    </p:cTn>
+                  </p:par>
+                </p:childTnLst>
+              </p:cTn>
+              <p:prevCondLst>
+                <p:cond evt="onPrev" delay="0">
+                  <p:tgtEl>
+                    <p:sldTgt/>
+                  </p:tgtEl>
+                </p:cond>
+              </p:prevCondLst>
+              <p:nextCondLst>
+                <p:cond evt="onNext" delay="0">
+                  <p:tgtEl>
+                    <p:sldTgt/>
+                  </p:tgtEl>
+                </p:cond>
+              </p:nextCondLst>
+            </p:seq>
+          </p:childTnLst>
+        </p:cTn>
+      </p:par>
+    </p:tnLst>
+  </p:timing>
+</p:sld>
+</file>
+
+<file path=ppt/slides/slide11.xml><?xml version="1.0" encoding="utf-8"?>
+<p:sld xmlns:a="http://schemas.openxmlformats.org/drawingml/2006/main" xmlns:r="http://schemas.openxmlformats.org/officeDocument/2006/relationships" xmlns:p="http://schemas.openxmlformats.org/presentationml/2006/main">
+  <p:cSld>
+    <p:spTree>
+      <p:nvGrpSpPr>
+        <p:cNvPr id="1" name=""/>
+        <p:cNvGrpSpPr/>
+        <p:nvPr/>
+      </p:nvGrpSpPr>
+      <p:grpSpPr>
+        <a:xfrm>
+          <a:off x="0" y="0"/>
+          <a:ext cx="0" cy="0"/>
+          <a:chOff x="0" y="0"/>
+          <a:chExt cx="0" cy="0"/>
+        </a:xfrm>
+      </p:grpSpPr>
+      <p:sp>
+        <p:nvSpPr>
+          <p:cNvPr id="2" name="标题 1"/>
+          <p:cNvSpPr>
+            <a:spLocks noGrp="1"/>
+          </p:cNvSpPr>
+          <p:nvPr>
+            <p:ph type="title"/>
+          </p:nvPr>
+        </p:nvSpPr>
+        <p:spPr>
+          <a:xfrm>
+            <a:off x="609600" y="274638"/>
+            <a:ext cx="10972800" cy="1143000"/>
+          </a:xfrm>
+        </p:spPr>
+        <p:txBody>
+          <a:bodyPr/>
+          <a:lstStyle/>
+          <a:p>
+            <a:pPr>
+              <a:defRPr/>
+            </a:pPr>
+            <a:r>
+              <a:rPr lang="zh-CN" altLang="en-US" dirty="0"/>
+              <a:t>使用</a:t>
+            </a:r>
+            <a:r>
+              <a:rPr lang="en-US" altLang="zh-CN" dirty="0"/>
+              <a:t>Intent</a:t>
+            </a:r>
+            <a:r>
+              <a:rPr lang="zh-CN" altLang="en-US" dirty="0"/>
+              <a:t>启动内置应用</a:t>
+            </a:r>
+          </a:p>
+        </p:txBody>
+      </p:sp>
+      <p:sp>
+        <p:nvSpPr>
+          <p:cNvPr id="3" name="内容占位符 2"/>
+          <p:cNvSpPr>
+            <a:spLocks noGrp="1"/>
+          </p:cNvSpPr>
+          <p:nvPr>
+            <p:ph idx="4294967295"/>
+          </p:nvPr>
+        </p:nvSpPr>
+        <p:spPr>
+          <a:xfrm>
             <a:off x="839416" y="1586210"/>
             <a:ext cx="10742984" cy="690662"/>
           </a:xfrm>
@@ -3353,7 +4090,7 @@
 </p:sld>
 </file>
 
-<file path=ppt/slides/slide11.xml><?xml version="1.0" encoding="utf-8"?>
+<file path=ppt/slides/slide12.xml><?xml version="1.0" encoding="utf-8"?>
 <p:sld xmlns:a="http://schemas.openxmlformats.org/drawingml/2006/main" xmlns:r="http://schemas.openxmlformats.org/officeDocument/2006/relationships" xmlns:p="http://schemas.openxmlformats.org/presentationml/2006/main">
   <p:cSld>
     <p:spTree>
@@ -3572,10 +4309,17 @@
   <p:clrMapOvr>
     <a:masterClrMapping/>
   </p:clrMapOvr>
+  <p:timing>
+    <p:tnLst>
+      <p:par>
+        <p:cTn id="1" dur="indefinite" restart="never" nodeType="tmRoot"/>
+      </p:par>
+    </p:tnLst>
+  </p:timing>
 </p:sld>
 </file>
 
-<file path=ppt/slides/slide12.xml><?xml version="1.0" encoding="utf-8"?>
+<file path=ppt/slides/slide13.xml><?xml version="1.0" encoding="utf-8"?>
 <p:sld xmlns:a="http://schemas.openxmlformats.org/drawingml/2006/main" xmlns:r="http://schemas.openxmlformats.org/officeDocument/2006/relationships" xmlns:p="http://schemas.openxmlformats.org/presentationml/2006/main">
   <p:cSld>
     <p:spTree>
@@ -4394,7 +5138,7 @@
 </p:sld>
 </file>
 
-<file path=ppt/slides/slide13.xml><?xml version="1.0" encoding="utf-8"?>
+<file path=ppt/slides/slide14.xml><?xml version="1.0" encoding="utf-8"?>
 <p:sld xmlns:a="http://schemas.openxmlformats.org/drawingml/2006/main" xmlns:r="http://schemas.openxmlformats.org/officeDocument/2006/relationships" xmlns:p="http://schemas.openxmlformats.org/presentationml/2006/main">
   <p:cSld>
     <p:spTree>
@@ -5132,574 +5876,6 @@
 </p:sld>
 </file>
 
-<file path=ppt/slides/slide14.xml><?xml version="1.0" encoding="utf-8"?>
-<p:sld xmlns:a="http://schemas.openxmlformats.org/drawingml/2006/main" xmlns:r="http://schemas.openxmlformats.org/officeDocument/2006/relationships" xmlns:p="http://schemas.openxmlformats.org/presentationml/2006/main">
-  <p:cSld>
-    <p:spTree>
-      <p:nvGrpSpPr>
-        <p:cNvPr id="1" name=""/>
-        <p:cNvGrpSpPr/>
-        <p:nvPr/>
-      </p:nvGrpSpPr>
-      <p:grpSpPr>
-        <a:xfrm>
-          <a:off x="0" y="0"/>
-          <a:ext cx="0" cy="0"/>
-          <a:chOff x="0" y="0"/>
-          <a:chExt cx="0" cy="0"/>
-        </a:xfrm>
-      </p:grpSpPr>
-      <p:sp>
-        <p:nvSpPr>
-          <p:cNvPr id="2" name="标题 1"/>
-          <p:cNvSpPr>
-            <a:spLocks noGrp="1"/>
-          </p:cNvSpPr>
-          <p:nvPr>
-            <p:ph type="title"/>
-          </p:nvPr>
-        </p:nvSpPr>
-        <p:spPr>
-          <a:xfrm>
-            <a:off x="609600" y="274638"/>
-            <a:ext cx="10972800" cy="1143000"/>
-          </a:xfrm>
-        </p:spPr>
-        <p:txBody>
-          <a:bodyPr/>
-          <a:lstStyle/>
-          <a:p>
-            <a:r>
-              <a:rPr lang="en-US" altLang="zh-CN" dirty="0" err="1"/>
-              <a:t>PendingIntent</a:t>
-            </a:r>
-            <a:r>
-              <a:rPr lang="zh-CN" altLang="en-US" dirty="0"/>
-              <a:t>使用方法</a:t>
-            </a:r>
-          </a:p>
-        </p:txBody>
-      </p:sp>
-      <p:sp>
-        <p:nvSpPr>
-          <p:cNvPr id="3" name="内容占位符 2"/>
-          <p:cNvSpPr>
-            <a:spLocks noGrp="1"/>
-          </p:cNvSpPr>
-          <p:nvPr>
-            <p:ph idx="4294967295"/>
-          </p:nvPr>
-        </p:nvSpPr>
-        <p:spPr>
-          <a:xfrm>
-            <a:off x="839416" y="1600201"/>
-            <a:ext cx="10742984" cy="4525963"/>
-          </a:xfrm>
-        </p:spPr>
-        <p:txBody>
-          <a:bodyPr>
-            <a:normAutofit/>
-          </a:bodyPr>
-          <a:lstStyle/>
-          <a:p>
-            <a:pPr marL="342900" lvl="1" indent="-342900">
-              <a:spcAft>
-                <a:spcPts val="600"/>
-              </a:spcAft>
-              <a:buFont typeface="Arial" pitchFamily="34" charset="0"/>
-              <a:buChar char="•"/>
-            </a:pPr>
-            <a:r>
-              <a:rPr lang="zh-CN" altLang="en-US" sz="3200" smtClean="0">
-                <a:solidFill>
-                  <a:schemeClr val="tx1">
-                    <a:lumMod val="85000"/>
-                    <a:lumOff val="15000"/>
-                  </a:schemeClr>
-                </a:solidFill>
-              </a:rPr>
-              <a:t>创建</a:t>
-            </a:r>
-            <a:r>
-              <a:rPr lang="en-US" altLang="zh-CN" sz="3200" dirty="0" err="1">
-                <a:solidFill>
-                  <a:schemeClr val="tx1">
-                    <a:lumMod val="85000"/>
-                    <a:lumOff val="15000"/>
-                  </a:schemeClr>
-                </a:solidFill>
-              </a:rPr>
-              <a:t>PendingIntent</a:t>
-            </a:r>
-            <a:r>
-              <a:rPr lang="zh-CN" altLang="en-US" sz="3200" dirty="0">
-                <a:solidFill>
-                  <a:schemeClr val="tx1">
-                    <a:lumMod val="85000"/>
-                    <a:lumOff val="15000"/>
-                  </a:schemeClr>
-                </a:solidFill>
-              </a:rPr>
-              <a:t>对象的主要方法有：</a:t>
-            </a:r>
-            <a:endParaRPr lang="en-US" altLang="zh-CN" sz="3200" dirty="0">
-              <a:solidFill>
-                <a:schemeClr val="tx1">
-                  <a:lumMod val="85000"/>
-                  <a:lumOff val="15000"/>
-                </a:schemeClr>
-              </a:solidFill>
-            </a:endParaRPr>
-          </a:p>
-          <a:p>
-            <a:pPr marL="857250" lvl="2" indent="-457200">
-              <a:spcAft>
-                <a:spcPts val="600"/>
-              </a:spcAft>
-              <a:buFont typeface="微软雅黑" panose="020B0503020204020204" pitchFamily="34" charset="-122"/>
-              <a:buChar char="‐"/>
-            </a:pPr>
-            <a:r>
-              <a:rPr lang="en-US" altLang="zh-CN" sz="3200" dirty="0" err="1">
-                <a:solidFill>
-                  <a:schemeClr val="tx1">
-                    <a:lumMod val="85000"/>
-                    <a:lumOff val="15000"/>
-                  </a:schemeClr>
-                </a:solidFill>
-              </a:rPr>
-              <a:t>PendingIntent</a:t>
-            </a:r>
-            <a:r>
-              <a:rPr lang="en-US" altLang="zh-CN" sz="3200" dirty="0">
-                <a:solidFill>
-                  <a:schemeClr val="tx1">
-                    <a:lumMod val="85000"/>
-                    <a:lumOff val="15000"/>
-                  </a:schemeClr>
-                </a:solidFill>
-              </a:rPr>
-              <a:t>. </a:t>
-            </a:r>
-            <a:r>
-              <a:rPr lang="en-US" altLang="zh-CN" sz="3200" dirty="0" err="1">
-                <a:solidFill>
-                  <a:srgbClr val="C00000"/>
-                </a:solidFill>
-              </a:rPr>
-              <a:t>getActivity</a:t>
-            </a:r>
-            <a:r>
-              <a:rPr lang="en-US" altLang="zh-CN" sz="3200">
-                <a:solidFill>
-                  <a:schemeClr val="tx1">
-                    <a:lumMod val="85000"/>
-                    <a:lumOff val="15000"/>
-                  </a:schemeClr>
-                </a:solidFill>
-              </a:rPr>
-              <a:t>( </a:t>
-            </a:r>
-            <a:r>
-              <a:rPr lang="en-US" altLang="zh-CN" sz="3200" smtClean="0">
-                <a:solidFill>
-                  <a:schemeClr val="tx1">
-                    <a:lumMod val="85000"/>
-                    <a:lumOff val="15000"/>
-                  </a:schemeClr>
-                </a:solidFill>
-              </a:rPr>
-              <a:t>)</a:t>
-            </a:r>
-            <a:r>
-              <a:rPr lang="zh-CN" altLang="en-US" sz="3200" smtClean="0">
-                <a:solidFill>
-                  <a:schemeClr val="tx1">
-                    <a:lumMod val="85000"/>
-                    <a:lumOff val="15000"/>
-                  </a:schemeClr>
-                </a:solidFill>
-              </a:rPr>
-              <a:t>：获取</a:t>
-            </a:r>
-            <a:r>
-              <a:rPr lang="zh-CN" altLang="en-US" sz="3200" dirty="0">
-                <a:solidFill>
-                  <a:schemeClr val="tx1">
-                    <a:lumMod val="85000"/>
-                    <a:lumOff val="15000"/>
-                  </a:schemeClr>
-                </a:solidFill>
-              </a:rPr>
-              <a:t>到用于启动</a:t>
-            </a:r>
-            <a:r>
-              <a:rPr lang="en-US" altLang="zh-CN" sz="3200" dirty="0">
-                <a:solidFill>
-                  <a:schemeClr val="tx1">
-                    <a:lumMod val="85000"/>
-                    <a:lumOff val="15000"/>
-                  </a:schemeClr>
-                </a:solidFill>
-              </a:rPr>
-              <a:t>Activity</a:t>
-            </a:r>
-            <a:r>
-              <a:rPr lang="zh-CN" altLang="en-US" sz="3200" dirty="0">
-                <a:solidFill>
-                  <a:schemeClr val="tx1">
-                    <a:lumMod val="85000"/>
-                    <a:lumOff val="15000"/>
-                  </a:schemeClr>
-                </a:solidFill>
-              </a:rPr>
-              <a:t>的</a:t>
-            </a:r>
-            <a:r>
-              <a:rPr lang="en-US" altLang="zh-CN" sz="3200" dirty="0" err="1">
-                <a:solidFill>
-                  <a:schemeClr val="tx1">
-                    <a:lumMod val="85000"/>
-                    <a:lumOff val="15000"/>
-                  </a:schemeClr>
-                </a:solidFill>
-              </a:rPr>
-              <a:t>PendingIntent</a:t>
-            </a:r>
-            <a:r>
-              <a:rPr lang="zh-CN" altLang="en-US" sz="3200" dirty="0">
-                <a:solidFill>
-                  <a:schemeClr val="tx1">
-                    <a:lumMod val="85000"/>
-                    <a:lumOff val="15000"/>
-                  </a:schemeClr>
-                </a:solidFill>
-              </a:rPr>
-              <a:t>对象；</a:t>
-            </a:r>
-            <a:endParaRPr lang="en-US" altLang="zh-CN" sz="3200" dirty="0">
-              <a:solidFill>
-                <a:schemeClr val="tx1">
-                  <a:lumMod val="85000"/>
-                  <a:lumOff val="15000"/>
-                </a:schemeClr>
-              </a:solidFill>
-            </a:endParaRPr>
-          </a:p>
-          <a:p>
-            <a:pPr marL="857250" lvl="2" indent="-457200">
-              <a:spcAft>
-                <a:spcPts val="600"/>
-              </a:spcAft>
-              <a:buFont typeface="微软雅黑" panose="020B0503020204020204" pitchFamily="34" charset="-122"/>
-              <a:buChar char="‐"/>
-            </a:pPr>
-            <a:r>
-              <a:rPr lang="en-US" altLang="zh-CN" sz="3200" dirty="0" err="1">
-                <a:solidFill>
-                  <a:schemeClr val="tx1">
-                    <a:lumMod val="85000"/>
-                    <a:lumOff val="15000"/>
-                  </a:schemeClr>
-                </a:solidFill>
-              </a:rPr>
-              <a:t>PendingIntent</a:t>
-            </a:r>
-            <a:r>
-              <a:rPr lang="en-US" altLang="zh-CN" sz="3200" dirty="0">
-                <a:solidFill>
-                  <a:schemeClr val="tx1">
-                    <a:lumMod val="85000"/>
-                    <a:lumOff val="15000"/>
-                  </a:schemeClr>
-                </a:solidFill>
-              </a:rPr>
-              <a:t>.</a:t>
-            </a:r>
-            <a:r>
-              <a:rPr lang="fr-FR" altLang="zh-CN" sz="3200" dirty="0">
-                <a:solidFill>
-                  <a:schemeClr val="tx1">
-                    <a:lumMod val="85000"/>
-                    <a:lumOff val="15000"/>
-                  </a:schemeClr>
-                </a:solidFill>
-              </a:rPr>
-              <a:t> </a:t>
-            </a:r>
-            <a:r>
-              <a:rPr lang="fr-FR" altLang="zh-CN" sz="3200" dirty="0">
-                <a:solidFill>
-                  <a:srgbClr val="C00000"/>
-                </a:solidFill>
-              </a:rPr>
-              <a:t>getService</a:t>
-            </a:r>
-            <a:r>
-              <a:rPr lang="fr-FR" altLang="zh-CN" sz="3200">
-                <a:solidFill>
-                  <a:schemeClr val="tx1">
-                    <a:lumMod val="85000"/>
-                    <a:lumOff val="15000"/>
-                  </a:schemeClr>
-                </a:solidFill>
-              </a:rPr>
-              <a:t>( </a:t>
-            </a:r>
-            <a:r>
-              <a:rPr lang="fr-FR" altLang="zh-CN" sz="3200" smtClean="0">
-                <a:solidFill>
-                  <a:schemeClr val="tx1">
-                    <a:lumMod val="85000"/>
-                    <a:lumOff val="15000"/>
-                  </a:schemeClr>
-                </a:solidFill>
-              </a:rPr>
-              <a:t>)</a:t>
-            </a:r>
-            <a:r>
-              <a:rPr lang="zh-CN" altLang="en-US" sz="3200" smtClean="0">
-                <a:solidFill>
-                  <a:schemeClr val="tx1">
-                    <a:lumMod val="85000"/>
-                    <a:lumOff val="15000"/>
-                  </a:schemeClr>
-                </a:solidFill>
-              </a:rPr>
-              <a:t>：获取</a:t>
-            </a:r>
-            <a:r>
-              <a:rPr lang="zh-CN" altLang="en-US" sz="3200" dirty="0">
-                <a:solidFill>
-                  <a:schemeClr val="tx1">
-                    <a:lumMod val="85000"/>
-                    <a:lumOff val="15000"/>
-                  </a:schemeClr>
-                </a:solidFill>
-              </a:rPr>
-              <a:t>到用于启动</a:t>
-            </a:r>
-            <a:r>
-              <a:rPr lang="en-US" altLang="zh-CN" sz="3200" dirty="0">
-                <a:solidFill>
-                  <a:schemeClr val="tx1">
-                    <a:lumMod val="85000"/>
-                    <a:lumOff val="15000"/>
-                  </a:schemeClr>
-                </a:solidFill>
-              </a:rPr>
-              <a:t>Service</a:t>
-            </a:r>
-            <a:r>
-              <a:rPr lang="zh-CN" altLang="en-US" sz="3200" dirty="0">
-                <a:solidFill>
-                  <a:schemeClr val="tx1">
-                    <a:lumMod val="85000"/>
-                    <a:lumOff val="15000"/>
-                  </a:schemeClr>
-                </a:solidFill>
-              </a:rPr>
-              <a:t>的</a:t>
-            </a:r>
-            <a:r>
-              <a:rPr lang="en-US" altLang="zh-CN" sz="3200" dirty="0" err="1">
-                <a:solidFill>
-                  <a:schemeClr val="tx1">
-                    <a:lumMod val="85000"/>
-                    <a:lumOff val="15000"/>
-                  </a:schemeClr>
-                </a:solidFill>
-              </a:rPr>
-              <a:t>PendingIntent</a:t>
-            </a:r>
-            <a:r>
-              <a:rPr lang="zh-CN" altLang="en-US" sz="3200" dirty="0">
-                <a:solidFill>
-                  <a:schemeClr val="tx1">
-                    <a:lumMod val="85000"/>
-                    <a:lumOff val="15000"/>
-                  </a:schemeClr>
-                </a:solidFill>
-              </a:rPr>
-              <a:t>对象；</a:t>
-            </a:r>
-            <a:endParaRPr lang="en-US" altLang="zh-CN" sz="3200" dirty="0">
-              <a:solidFill>
-                <a:schemeClr val="tx1">
-                  <a:lumMod val="85000"/>
-                  <a:lumOff val="15000"/>
-                </a:schemeClr>
-              </a:solidFill>
-            </a:endParaRPr>
-          </a:p>
-          <a:p>
-            <a:pPr marL="857250" lvl="2" indent="-457200">
-              <a:spcAft>
-                <a:spcPts val="600"/>
-              </a:spcAft>
-              <a:buFont typeface="微软雅黑" panose="020B0503020204020204" pitchFamily="34" charset="-122"/>
-              <a:buChar char="‐"/>
-            </a:pPr>
-            <a:r>
-              <a:rPr lang="en-US" altLang="zh-CN" sz="3200" dirty="0" err="1">
-                <a:solidFill>
-                  <a:schemeClr val="tx1">
-                    <a:lumMod val="85000"/>
-                    <a:lumOff val="15000"/>
-                  </a:schemeClr>
-                </a:solidFill>
-              </a:rPr>
-              <a:t>PendingIntent</a:t>
-            </a:r>
-            <a:r>
-              <a:rPr lang="en-US" altLang="zh-CN" sz="3200" dirty="0">
-                <a:solidFill>
-                  <a:schemeClr val="tx1">
-                    <a:lumMod val="85000"/>
-                    <a:lumOff val="15000"/>
-                  </a:schemeClr>
-                </a:solidFill>
-              </a:rPr>
-              <a:t>. </a:t>
-            </a:r>
-            <a:r>
-              <a:rPr lang="en-US" altLang="zh-CN" sz="3200" dirty="0" err="1">
-                <a:solidFill>
-                  <a:srgbClr val="C00000"/>
-                </a:solidFill>
-              </a:rPr>
-              <a:t>getBroadcast</a:t>
-            </a:r>
-            <a:r>
-              <a:rPr lang="en-US" altLang="zh-CN" sz="3200">
-                <a:solidFill>
-                  <a:schemeClr val="tx1">
-                    <a:lumMod val="85000"/>
-                    <a:lumOff val="15000"/>
-                  </a:schemeClr>
-                </a:solidFill>
-              </a:rPr>
-              <a:t>( </a:t>
-            </a:r>
-            <a:r>
-              <a:rPr lang="en-US" altLang="zh-CN" sz="3200" smtClean="0">
-                <a:solidFill>
-                  <a:schemeClr val="tx1">
-                    <a:lumMod val="85000"/>
-                    <a:lumOff val="15000"/>
-                  </a:schemeClr>
-                </a:solidFill>
-              </a:rPr>
-              <a:t>)</a:t>
-            </a:r>
-            <a:r>
-              <a:rPr lang="zh-CN" altLang="en-US" sz="3200" smtClean="0">
-                <a:solidFill>
-                  <a:schemeClr val="tx1">
-                    <a:lumMod val="85000"/>
-                    <a:lumOff val="15000"/>
-                  </a:schemeClr>
-                </a:solidFill>
-              </a:rPr>
-              <a:t>：获取</a:t>
-            </a:r>
-            <a:r>
-              <a:rPr lang="zh-CN" altLang="en-US" sz="3200" dirty="0">
-                <a:solidFill>
-                  <a:schemeClr val="tx1">
-                    <a:lumMod val="85000"/>
-                    <a:lumOff val="15000"/>
-                  </a:schemeClr>
-                </a:solidFill>
-              </a:rPr>
-              <a:t>到用户启动</a:t>
-            </a:r>
-            <a:r>
-              <a:rPr lang="en-US" altLang="zh-CN" sz="3200" dirty="0">
-                <a:solidFill>
-                  <a:schemeClr val="tx1">
-                    <a:lumMod val="85000"/>
-                    <a:lumOff val="15000"/>
-                  </a:schemeClr>
-                </a:solidFill>
-              </a:rPr>
-              <a:t>Broadcast</a:t>
-            </a:r>
-            <a:r>
-              <a:rPr lang="zh-CN" altLang="en-US" sz="3200" dirty="0">
-                <a:solidFill>
-                  <a:schemeClr val="tx1">
-                    <a:lumMod val="85000"/>
-                    <a:lumOff val="15000"/>
-                  </a:schemeClr>
-                </a:solidFill>
-              </a:rPr>
-              <a:t>的</a:t>
-            </a:r>
-            <a:r>
-              <a:rPr lang="en-US" altLang="zh-CN" sz="3200" dirty="0" err="1">
-                <a:solidFill>
-                  <a:schemeClr val="tx1">
-                    <a:lumMod val="85000"/>
-                    <a:lumOff val="15000"/>
-                  </a:schemeClr>
-                </a:solidFill>
-              </a:rPr>
-              <a:t>PendingIntent</a:t>
-            </a:r>
-            <a:r>
-              <a:rPr lang="zh-CN" altLang="en-US" sz="3200">
-                <a:solidFill>
-                  <a:schemeClr val="tx1">
-                    <a:lumMod val="85000"/>
-                    <a:lumOff val="15000"/>
-                  </a:schemeClr>
-                </a:solidFill>
-              </a:rPr>
-              <a:t>对象</a:t>
-            </a:r>
-            <a:r>
-              <a:rPr lang="zh-CN" altLang="en-US" sz="3200" smtClean="0">
-                <a:solidFill>
-                  <a:schemeClr val="tx1">
-                    <a:lumMod val="85000"/>
-                    <a:lumOff val="15000"/>
-                  </a:schemeClr>
-                </a:solidFill>
-              </a:rPr>
-              <a:t>。</a:t>
-            </a:r>
-            <a:endParaRPr lang="zh-CN" altLang="en-US" sz="3200" dirty="0">
-              <a:solidFill>
-                <a:schemeClr val="tx1">
-                  <a:lumMod val="85000"/>
-                  <a:lumOff val="15000"/>
-                </a:schemeClr>
-              </a:solidFill>
-            </a:endParaRPr>
-          </a:p>
-        </p:txBody>
-      </p:sp>
-    </p:spTree>
-    <p:extLst>
-      <p:ext uri="{BB962C8B-B14F-4D97-AF65-F5344CB8AC3E}">
-        <p14:creationId xmlns:p14="http://schemas.microsoft.com/office/powerpoint/2010/main" val="1915426731"/>
-      </p:ext>
-    </p:extLst>
-  </p:cSld>
-  <p:clrMapOvr>
-    <a:masterClrMapping/>
-  </p:clrMapOvr>
-  <p:timing>
-    <p:tnLst>
-      <p:par>
-        <p:cTn id="1" dur="indefinite" restart="never" nodeType="tmRoot"/>
-      </p:par>
-    </p:tnLst>
-  </p:timing>
-</p:sld>
-</file>
-
 <file path=ppt/slides/slide15.xml><?xml version="1.0" encoding="utf-8"?>
 <p:sld xmlns:a="http://schemas.openxmlformats.org/drawingml/2006/main" xmlns:r="http://schemas.openxmlformats.org/officeDocument/2006/relationships" xmlns:p="http://schemas.openxmlformats.org/presentationml/2006/main">
   <p:cSld>
@@ -5743,6 +5919,574 @@
             </a:r>
             <a:r>
               <a:rPr lang="zh-CN" altLang="en-US" dirty="0"/>
+              <a:t>使用方法</a:t>
+            </a:r>
+          </a:p>
+        </p:txBody>
+      </p:sp>
+      <p:sp>
+        <p:nvSpPr>
+          <p:cNvPr id="3" name="内容占位符 2"/>
+          <p:cNvSpPr>
+            <a:spLocks noGrp="1"/>
+          </p:cNvSpPr>
+          <p:nvPr>
+            <p:ph idx="4294967295"/>
+          </p:nvPr>
+        </p:nvSpPr>
+        <p:spPr>
+          <a:xfrm>
+            <a:off x="839416" y="1600201"/>
+            <a:ext cx="10742984" cy="4525963"/>
+          </a:xfrm>
+        </p:spPr>
+        <p:txBody>
+          <a:bodyPr>
+            <a:normAutofit/>
+          </a:bodyPr>
+          <a:lstStyle/>
+          <a:p>
+            <a:pPr marL="342900" lvl="1" indent="-342900">
+              <a:spcAft>
+                <a:spcPts val="600"/>
+              </a:spcAft>
+              <a:buFont typeface="Arial" pitchFamily="34" charset="0"/>
+              <a:buChar char="•"/>
+            </a:pPr>
+            <a:r>
+              <a:rPr lang="zh-CN" altLang="en-US" sz="3200" smtClean="0">
+                <a:solidFill>
+                  <a:schemeClr val="tx1">
+                    <a:lumMod val="85000"/>
+                    <a:lumOff val="15000"/>
+                  </a:schemeClr>
+                </a:solidFill>
+              </a:rPr>
+              <a:t>创建</a:t>
+            </a:r>
+            <a:r>
+              <a:rPr lang="en-US" altLang="zh-CN" sz="3200" dirty="0" err="1">
+                <a:solidFill>
+                  <a:schemeClr val="tx1">
+                    <a:lumMod val="85000"/>
+                    <a:lumOff val="15000"/>
+                  </a:schemeClr>
+                </a:solidFill>
+              </a:rPr>
+              <a:t>PendingIntent</a:t>
+            </a:r>
+            <a:r>
+              <a:rPr lang="zh-CN" altLang="en-US" sz="3200" dirty="0">
+                <a:solidFill>
+                  <a:schemeClr val="tx1">
+                    <a:lumMod val="85000"/>
+                    <a:lumOff val="15000"/>
+                  </a:schemeClr>
+                </a:solidFill>
+              </a:rPr>
+              <a:t>对象的主要方法有：</a:t>
+            </a:r>
+            <a:endParaRPr lang="en-US" altLang="zh-CN" sz="3200" dirty="0">
+              <a:solidFill>
+                <a:schemeClr val="tx1">
+                  <a:lumMod val="85000"/>
+                  <a:lumOff val="15000"/>
+                </a:schemeClr>
+              </a:solidFill>
+            </a:endParaRPr>
+          </a:p>
+          <a:p>
+            <a:pPr marL="857250" lvl="2" indent="-457200">
+              <a:spcAft>
+                <a:spcPts val="600"/>
+              </a:spcAft>
+              <a:buFont typeface="微软雅黑" panose="020B0503020204020204" pitchFamily="34" charset="-122"/>
+              <a:buChar char="‐"/>
+            </a:pPr>
+            <a:r>
+              <a:rPr lang="en-US" altLang="zh-CN" sz="3200" dirty="0" err="1">
+                <a:solidFill>
+                  <a:schemeClr val="tx1">
+                    <a:lumMod val="85000"/>
+                    <a:lumOff val="15000"/>
+                  </a:schemeClr>
+                </a:solidFill>
+              </a:rPr>
+              <a:t>PendingIntent</a:t>
+            </a:r>
+            <a:r>
+              <a:rPr lang="en-US" altLang="zh-CN" sz="3200" dirty="0">
+                <a:solidFill>
+                  <a:schemeClr val="tx1">
+                    <a:lumMod val="85000"/>
+                    <a:lumOff val="15000"/>
+                  </a:schemeClr>
+                </a:solidFill>
+              </a:rPr>
+              <a:t>. </a:t>
+            </a:r>
+            <a:r>
+              <a:rPr lang="en-US" altLang="zh-CN" sz="3200" dirty="0" err="1">
+                <a:solidFill>
+                  <a:srgbClr val="C00000"/>
+                </a:solidFill>
+              </a:rPr>
+              <a:t>getActivity</a:t>
+            </a:r>
+            <a:r>
+              <a:rPr lang="en-US" altLang="zh-CN" sz="3200">
+                <a:solidFill>
+                  <a:schemeClr val="tx1">
+                    <a:lumMod val="85000"/>
+                    <a:lumOff val="15000"/>
+                  </a:schemeClr>
+                </a:solidFill>
+              </a:rPr>
+              <a:t>( </a:t>
+            </a:r>
+            <a:r>
+              <a:rPr lang="en-US" altLang="zh-CN" sz="3200" smtClean="0">
+                <a:solidFill>
+                  <a:schemeClr val="tx1">
+                    <a:lumMod val="85000"/>
+                    <a:lumOff val="15000"/>
+                  </a:schemeClr>
+                </a:solidFill>
+              </a:rPr>
+              <a:t>)</a:t>
+            </a:r>
+            <a:r>
+              <a:rPr lang="zh-CN" altLang="en-US" sz="3200" smtClean="0">
+                <a:solidFill>
+                  <a:schemeClr val="tx1">
+                    <a:lumMod val="85000"/>
+                    <a:lumOff val="15000"/>
+                  </a:schemeClr>
+                </a:solidFill>
+              </a:rPr>
+              <a:t>：获取</a:t>
+            </a:r>
+            <a:r>
+              <a:rPr lang="zh-CN" altLang="en-US" sz="3200" dirty="0">
+                <a:solidFill>
+                  <a:schemeClr val="tx1">
+                    <a:lumMod val="85000"/>
+                    <a:lumOff val="15000"/>
+                  </a:schemeClr>
+                </a:solidFill>
+              </a:rPr>
+              <a:t>到用于启动</a:t>
+            </a:r>
+            <a:r>
+              <a:rPr lang="en-US" altLang="zh-CN" sz="3200" dirty="0">
+                <a:solidFill>
+                  <a:schemeClr val="tx1">
+                    <a:lumMod val="85000"/>
+                    <a:lumOff val="15000"/>
+                  </a:schemeClr>
+                </a:solidFill>
+              </a:rPr>
+              <a:t>Activity</a:t>
+            </a:r>
+            <a:r>
+              <a:rPr lang="zh-CN" altLang="en-US" sz="3200" dirty="0">
+                <a:solidFill>
+                  <a:schemeClr val="tx1">
+                    <a:lumMod val="85000"/>
+                    <a:lumOff val="15000"/>
+                  </a:schemeClr>
+                </a:solidFill>
+              </a:rPr>
+              <a:t>的</a:t>
+            </a:r>
+            <a:r>
+              <a:rPr lang="en-US" altLang="zh-CN" sz="3200" dirty="0" err="1">
+                <a:solidFill>
+                  <a:schemeClr val="tx1">
+                    <a:lumMod val="85000"/>
+                    <a:lumOff val="15000"/>
+                  </a:schemeClr>
+                </a:solidFill>
+              </a:rPr>
+              <a:t>PendingIntent</a:t>
+            </a:r>
+            <a:r>
+              <a:rPr lang="zh-CN" altLang="en-US" sz="3200" dirty="0">
+                <a:solidFill>
+                  <a:schemeClr val="tx1">
+                    <a:lumMod val="85000"/>
+                    <a:lumOff val="15000"/>
+                  </a:schemeClr>
+                </a:solidFill>
+              </a:rPr>
+              <a:t>对象；</a:t>
+            </a:r>
+            <a:endParaRPr lang="en-US" altLang="zh-CN" sz="3200" dirty="0">
+              <a:solidFill>
+                <a:schemeClr val="tx1">
+                  <a:lumMod val="85000"/>
+                  <a:lumOff val="15000"/>
+                </a:schemeClr>
+              </a:solidFill>
+            </a:endParaRPr>
+          </a:p>
+          <a:p>
+            <a:pPr marL="857250" lvl="2" indent="-457200">
+              <a:spcAft>
+                <a:spcPts val="600"/>
+              </a:spcAft>
+              <a:buFont typeface="微软雅黑" panose="020B0503020204020204" pitchFamily="34" charset="-122"/>
+              <a:buChar char="‐"/>
+            </a:pPr>
+            <a:r>
+              <a:rPr lang="en-US" altLang="zh-CN" sz="3200" dirty="0" err="1">
+                <a:solidFill>
+                  <a:schemeClr val="tx1">
+                    <a:lumMod val="85000"/>
+                    <a:lumOff val="15000"/>
+                  </a:schemeClr>
+                </a:solidFill>
+              </a:rPr>
+              <a:t>PendingIntent</a:t>
+            </a:r>
+            <a:r>
+              <a:rPr lang="en-US" altLang="zh-CN" sz="3200" dirty="0">
+                <a:solidFill>
+                  <a:schemeClr val="tx1">
+                    <a:lumMod val="85000"/>
+                    <a:lumOff val="15000"/>
+                  </a:schemeClr>
+                </a:solidFill>
+              </a:rPr>
+              <a:t>.</a:t>
+            </a:r>
+            <a:r>
+              <a:rPr lang="fr-FR" altLang="zh-CN" sz="3200" dirty="0">
+                <a:solidFill>
+                  <a:schemeClr val="tx1">
+                    <a:lumMod val="85000"/>
+                    <a:lumOff val="15000"/>
+                  </a:schemeClr>
+                </a:solidFill>
+              </a:rPr>
+              <a:t> </a:t>
+            </a:r>
+            <a:r>
+              <a:rPr lang="fr-FR" altLang="zh-CN" sz="3200" dirty="0">
+                <a:solidFill>
+                  <a:srgbClr val="C00000"/>
+                </a:solidFill>
+              </a:rPr>
+              <a:t>getService</a:t>
+            </a:r>
+            <a:r>
+              <a:rPr lang="fr-FR" altLang="zh-CN" sz="3200">
+                <a:solidFill>
+                  <a:schemeClr val="tx1">
+                    <a:lumMod val="85000"/>
+                    <a:lumOff val="15000"/>
+                  </a:schemeClr>
+                </a:solidFill>
+              </a:rPr>
+              <a:t>( </a:t>
+            </a:r>
+            <a:r>
+              <a:rPr lang="fr-FR" altLang="zh-CN" sz="3200" smtClean="0">
+                <a:solidFill>
+                  <a:schemeClr val="tx1">
+                    <a:lumMod val="85000"/>
+                    <a:lumOff val="15000"/>
+                  </a:schemeClr>
+                </a:solidFill>
+              </a:rPr>
+              <a:t>)</a:t>
+            </a:r>
+            <a:r>
+              <a:rPr lang="zh-CN" altLang="en-US" sz="3200" smtClean="0">
+                <a:solidFill>
+                  <a:schemeClr val="tx1">
+                    <a:lumMod val="85000"/>
+                    <a:lumOff val="15000"/>
+                  </a:schemeClr>
+                </a:solidFill>
+              </a:rPr>
+              <a:t>：获取</a:t>
+            </a:r>
+            <a:r>
+              <a:rPr lang="zh-CN" altLang="en-US" sz="3200" dirty="0">
+                <a:solidFill>
+                  <a:schemeClr val="tx1">
+                    <a:lumMod val="85000"/>
+                    <a:lumOff val="15000"/>
+                  </a:schemeClr>
+                </a:solidFill>
+              </a:rPr>
+              <a:t>到用于启动</a:t>
+            </a:r>
+            <a:r>
+              <a:rPr lang="en-US" altLang="zh-CN" sz="3200" dirty="0">
+                <a:solidFill>
+                  <a:schemeClr val="tx1">
+                    <a:lumMod val="85000"/>
+                    <a:lumOff val="15000"/>
+                  </a:schemeClr>
+                </a:solidFill>
+              </a:rPr>
+              <a:t>Service</a:t>
+            </a:r>
+            <a:r>
+              <a:rPr lang="zh-CN" altLang="en-US" sz="3200" dirty="0">
+                <a:solidFill>
+                  <a:schemeClr val="tx1">
+                    <a:lumMod val="85000"/>
+                    <a:lumOff val="15000"/>
+                  </a:schemeClr>
+                </a:solidFill>
+              </a:rPr>
+              <a:t>的</a:t>
+            </a:r>
+            <a:r>
+              <a:rPr lang="en-US" altLang="zh-CN" sz="3200" dirty="0" err="1">
+                <a:solidFill>
+                  <a:schemeClr val="tx1">
+                    <a:lumMod val="85000"/>
+                    <a:lumOff val="15000"/>
+                  </a:schemeClr>
+                </a:solidFill>
+              </a:rPr>
+              <a:t>PendingIntent</a:t>
+            </a:r>
+            <a:r>
+              <a:rPr lang="zh-CN" altLang="en-US" sz="3200" dirty="0">
+                <a:solidFill>
+                  <a:schemeClr val="tx1">
+                    <a:lumMod val="85000"/>
+                    <a:lumOff val="15000"/>
+                  </a:schemeClr>
+                </a:solidFill>
+              </a:rPr>
+              <a:t>对象；</a:t>
+            </a:r>
+            <a:endParaRPr lang="en-US" altLang="zh-CN" sz="3200" dirty="0">
+              <a:solidFill>
+                <a:schemeClr val="tx1">
+                  <a:lumMod val="85000"/>
+                  <a:lumOff val="15000"/>
+                </a:schemeClr>
+              </a:solidFill>
+            </a:endParaRPr>
+          </a:p>
+          <a:p>
+            <a:pPr marL="857250" lvl="2" indent="-457200">
+              <a:spcAft>
+                <a:spcPts val="600"/>
+              </a:spcAft>
+              <a:buFont typeface="微软雅黑" panose="020B0503020204020204" pitchFamily="34" charset="-122"/>
+              <a:buChar char="‐"/>
+            </a:pPr>
+            <a:r>
+              <a:rPr lang="en-US" altLang="zh-CN" sz="3200" dirty="0" err="1">
+                <a:solidFill>
+                  <a:schemeClr val="tx1">
+                    <a:lumMod val="85000"/>
+                    <a:lumOff val="15000"/>
+                  </a:schemeClr>
+                </a:solidFill>
+              </a:rPr>
+              <a:t>PendingIntent</a:t>
+            </a:r>
+            <a:r>
+              <a:rPr lang="en-US" altLang="zh-CN" sz="3200" dirty="0">
+                <a:solidFill>
+                  <a:schemeClr val="tx1">
+                    <a:lumMod val="85000"/>
+                    <a:lumOff val="15000"/>
+                  </a:schemeClr>
+                </a:solidFill>
+              </a:rPr>
+              <a:t>. </a:t>
+            </a:r>
+            <a:r>
+              <a:rPr lang="en-US" altLang="zh-CN" sz="3200" dirty="0" err="1">
+                <a:solidFill>
+                  <a:srgbClr val="C00000"/>
+                </a:solidFill>
+              </a:rPr>
+              <a:t>getBroadcast</a:t>
+            </a:r>
+            <a:r>
+              <a:rPr lang="en-US" altLang="zh-CN" sz="3200">
+                <a:solidFill>
+                  <a:schemeClr val="tx1">
+                    <a:lumMod val="85000"/>
+                    <a:lumOff val="15000"/>
+                  </a:schemeClr>
+                </a:solidFill>
+              </a:rPr>
+              <a:t>( </a:t>
+            </a:r>
+            <a:r>
+              <a:rPr lang="en-US" altLang="zh-CN" sz="3200" smtClean="0">
+                <a:solidFill>
+                  <a:schemeClr val="tx1">
+                    <a:lumMod val="85000"/>
+                    <a:lumOff val="15000"/>
+                  </a:schemeClr>
+                </a:solidFill>
+              </a:rPr>
+              <a:t>)</a:t>
+            </a:r>
+            <a:r>
+              <a:rPr lang="zh-CN" altLang="en-US" sz="3200" smtClean="0">
+                <a:solidFill>
+                  <a:schemeClr val="tx1">
+                    <a:lumMod val="85000"/>
+                    <a:lumOff val="15000"/>
+                  </a:schemeClr>
+                </a:solidFill>
+              </a:rPr>
+              <a:t>：获取</a:t>
+            </a:r>
+            <a:r>
+              <a:rPr lang="zh-CN" altLang="en-US" sz="3200" dirty="0">
+                <a:solidFill>
+                  <a:schemeClr val="tx1">
+                    <a:lumMod val="85000"/>
+                    <a:lumOff val="15000"/>
+                  </a:schemeClr>
+                </a:solidFill>
+              </a:rPr>
+              <a:t>到用户启动</a:t>
+            </a:r>
+            <a:r>
+              <a:rPr lang="en-US" altLang="zh-CN" sz="3200" dirty="0">
+                <a:solidFill>
+                  <a:schemeClr val="tx1">
+                    <a:lumMod val="85000"/>
+                    <a:lumOff val="15000"/>
+                  </a:schemeClr>
+                </a:solidFill>
+              </a:rPr>
+              <a:t>Broadcast</a:t>
+            </a:r>
+            <a:r>
+              <a:rPr lang="zh-CN" altLang="en-US" sz="3200" dirty="0">
+                <a:solidFill>
+                  <a:schemeClr val="tx1">
+                    <a:lumMod val="85000"/>
+                    <a:lumOff val="15000"/>
+                  </a:schemeClr>
+                </a:solidFill>
+              </a:rPr>
+              <a:t>的</a:t>
+            </a:r>
+            <a:r>
+              <a:rPr lang="en-US" altLang="zh-CN" sz="3200" dirty="0" err="1">
+                <a:solidFill>
+                  <a:schemeClr val="tx1">
+                    <a:lumMod val="85000"/>
+                    <a:lumOff val="15000"/>
+                  </a:schemeClr>
+                </a:solidFill>
+              </a:rPr>
+              <a:t>PendingIntent</a:t>
+            </a:r>
+            <a:r>
+              <a:rPr lang="zh-CN" altLang="en-US" sz="3200">
+                <a:solidFill>
+                  <a:schemeClr val="tx1">
+                    <a:lumMod val="85000"/>
+                    <a:lumOff val="15000"/>
+                  </a:schemeClr>
+                </a:solidFill>
+              </a:rPr>
+              <a:t>对象</a:t>
+            </a:r>
+            <a:r>
+              <a:rPr lang="zh-CN" altLang="en-US" sz="3200" smtClean="0">
+                <a:solidFill>
+                  <a:schemeClr val="tx1">
+                    <a:lumMod val="85000"/>
+                    <a:lumOff val="15000"/>
+                  </a:schemeClr>
+                </a:solidFill>
+              </a:rPr>
+              <a:t>。</a:t>
+            </a:r>
+            <a:endParaRPr lang="zh-CN" altLang="en-US" sz="3200" dirty="0">
+              <a:solidFill>
+                <a:schemeClr val="tx1">
+                  <a:lumMod val="85000"/>
+                  <a:lumOff val="15000"/>
+                </a:schemeClr>
+              </a:solidFill>
+            </a:endParaRPr>
+          </a:p>
+        </p:txBody>
+      </p:sp>
+    </p:spTree>
+    <p:extLst>
+      <p:ext uri="{BB962C8B-B14F-4D97-AF65-F5344CB8AC3E}">
+        <p14:creationId xmlns:p14="http://schemas.microsoft.com/office/powerpoint/2010/main" val="1915426731"/>
+      </p:ext>
+    </p:extLst>
+  </p:cSld>
+  <p:clrMapOvr>
+    <a:masterClrMapping/>
+  </p:clrMapOvr>
+  <p:timing>
+    <p:tnLst>
+      <p:par>
+        <p:cTn id="1" dur="indefinite" restart="never" nodeType="tmRoot"/>
+      </p:par>
+    </p:tnLst>
+  </p:timing>
+</p:sld>
+</file>
+
+<file path=ppt/slides/slide16.xml><?xml version="1.0" encoding="utf-8"?>
+<p:sld xmlns:a="http://schemas.openxmlformats.org/drawingml/2006/main" xmlns:r="http://schemas.openxmlformats.org/officeDocument/2006/relationships" xmlns:p="http://schemas.openxmlformats.org/presentationml/2006/main">
+  <p:cSld>
+    <p:spTree>
+      <p:nvGrpSpPr>
+        <p:cNvPr id="1" name=""/>
+        <p:cNvGrpSpPr/>
+        <p:nvPr/>
+      </p:nvGrpSpPr>
+      <p:grpSpPr>
+        <a:xfrm>
+          <a:off x="0" y="0"/>
+          <a:ext cx="0" cy="0"/>
+          <a:chOff x="0" y="0"/>
+          <a:chExt cx="0" cy="0"/>
+        </a:xfrm>
+      </p:grpSpPr>
+      <p:sp>
+        <p:nvSpPr>
+          <p:cNvPr id="2" name="标题 1"/>
+          <p:cNvSpPr>
+            <a:spLocks noGrp="1"/>
+          </p:cNvSpPr>
+          <p:nvPr>
+            <p:ph type="title"/>
+          </p:nvPr>
+        </p:nvSpPr>
+        <p:spPr>
+          <a:xfrm>
+            <a:off x="609600" y="274638"/>
+            <a:ext cx="10972800" cy="1143000"/>
+          </a:xfrm>
+        </p:spPr>
+        <p:txBody>
+          <a:bodyPr/>
+          <a:lstStyle/>
+          <a:p>
+            <a:r>
+              <a:rPr lang="en-US" altLang="zh-CN" dirty="0" err="1"/>
+              <a:t>PendingIntent</a:t>
+            </a:r>
+            <a:r>
+              <a:rPr lang="zh-CN" altLang="en-US" dirty="0"/>
               <a:t>的应用场合</a:t>
             </a:r>
           </a:p>
@@ -6036,21 +6780,10 @@
                   </a:schemeClr>
                 </a:solidFill>
               </a:rPr>
-              <a:t>绑定用户的</a:t>
-            </a:r>
-            <a:r>
-              <a:rPr lang="zh-CN" altLang="en-US" sz="3200">
-                <a:solidFill>
-                  <a:schemeClr val="tx1">
-                    <a:lumMod val="85000"/>
-                    <a:lumOff val="15000"/>
-                  </a:schemeClr>
-                </a:solidFill>
-              </a:rPr>
-              <a:t>行为</a:t>
-            </a:r>
-            <a:r>
-              <a:rPr lang="zh-CN" altLang="en-US" sz="3200" smtClean="0">
+              <a:t>绑定用户的行为</a:t>
+            </a:r>
+            <a:r>
+              <a:rPr lang="zh-CN" altLang="en-US" sz="3200" dirty="0" smtClean="0">
                 <a:solidFill>
                   <a:schemeClr val="tx1">
                     <a:lumMod val="85000"/>
@@ -6423,7 +7156,7 @@
 </p:sld>
 </file>
 
-<file path=ppt/slides/slide16.xml><?xml version="1.0" encoding="utf-8"?>
+<file path=ppt/slides/slide17.xml><?xml version="1.0" encoding="utf-8"?>
 <p:sld xmlns:a="http://schemas.openxmlformats.org/drawingml/2006/main" xmlns:r="http://schemas.openxmlformats.org/officeDocument/2006/relationships" xmlns:p="http://schemas.openxmlformats.org/presentationml/2006/main">
   <p:cSld>
     <p:spTree>
@@ -7230,7 +7963,7 @@
 </p:sld>
 </file>
 
-<file path=ppt/slides/slide17.xml><?xml version="1.0" encoding="utf-8"?>
+<file path=ppt/slides/slide18.xml><?xml version="1.0" encoding="utf-8"?>
 <p:sld xmlns:a="http://schemas.openxmlformats.org/drawingml/2006/main" xmlns:r="http://schemas.openxmlformats.org/officeDocument/2006/relationships" xmlns:p="http://schemas.openxmlformats.org/presentationml/2006/main">
   <p:cSld>
     <p:spTree>
@@ -9269,6 +10002,280 @@
           <a:bodyPr/>
           <a:lstStyle/>
           <a:p>
+            <a:r>
+              <a:rPr lang="zh-CN" altLang="en-US" dirty="0"/>
+              <a:t>标准</a:t>
+            </a:r>
+            <a:r>
+              <a:rPr lang="en-US" altLang="zh-CN" dirty="0" smtClean="0"/>
+              <a:t>Action</a:t>
+            </a:r>
+            <a:r>
+              <a:rPr lang="zh-CN" altLang="en-US" dirty="0" smtClean="0"/>
+              <a:t>属性</a:t>
+            </a:r>
+            <a:endParaRPr lang="zh-CN" altLang="en-US" dirty="0"/>
+          </a:p>
+        </p:txBody>
+      </p:sp>
+      <p:sp>
+        <p:nvSpPr>
+          <p:cNvPr id="3" name="内容占位符 2"/>
+          <p:cNvSpPr>
+            <a:spLocks noGrp="1"/>
+          </p:cNvSpPr>
+          <p:nvPr>
+            <p:ph idx="4294967295"/>
+          </p:nvPr>
+        </p:nvSpPr>
+        <p:spPr>
+          <a:xfrm>
+            <a:off x="767408" y="1484784"/>
+            <a:ext cx="10814992" cy="720080"/>
+          </a:xfrm>
+        </p:spPr>
+        <p:txBody>
+          <a:bodyPr>
+            <a:noAutofit/>
+          </a:bodyPr>
+          <a:lstStyle/>
+          <a:p>
+            <a:r>
+              <a:rPr lang="en-US" altLang="zh-CN" dirty="0" smtClean="0">
+                <a:solidFill>
+                  <a:schemeClr val="tx1">
+                    <a:lumMod val="85000"/>
+                    <a:lumOff val="15000"/>
+                  </a:schemeClr>
+                </a:solidFill>
+              </a:rPr>
+              <a:t>Android</a:t>
+            </a:r>
+            <a:r>
+              <a:rPr lang="zh-CN" altLang="en-US" dirty="0" smtClean="0">
+                <a:solidFill>
+                  <a:schemeClr val="tx1">
+                    <a:lumMod val="85000"/>
+                    <a:lumOff val="15000"/>
+                  </a:schemeClr>
+                </a:solidFill>
+              </a:rPr>
+              <a:t>内部提供了大量的标准</a:t>
+            </a:r>
+            <a:r>
+              <a:rPr lang="en-US" altLang="zh-CN" dirty="0" smtClean="0">
+                <a:solidFill>
+                  <a:schemeClr val="tx1">
+                    <a:lumMod val="85000"/>
+                    <a:lumOff val="15000"/>
+                  </a:schemeClr>
+                </a:solidFill>
+              </a:rPr>
+              <a:t>Action</a:t>
+            </a:r>
+            <a:r>
+              <a:rPr lang="zh-CN" altLang="en-US" dirty="0" smtClean="0">
+                <a:solidFill>
+                  <a:schemeClr val="tx1">
+                    <a:lumMod val="85000"/>
+                    <a:lumOff val="15000"/>
+                  </a:schemeClr>
+                </a:solidFill>
+              </a:rPr>
+              <a:t>属性。</a:t>
+            </a:r>
+            <a:endParaRPr lang="en-US" altLang="zh-CN" dirty="0">
+              <a:solidFill>
+                <a:schemeClr val="tx1">
+                  <a:lumMod val="85000"/>
+                  <a:lumOff val="15000"/>
+                </a:schemeClr>
+              </a:solidFill>
+            </a:endParaRPr>
+          </a:p>
+        </p:txBody>
+      </p:sp>
+      <p:sp>
+        <p:nvSpPr>
+          <p:cNvPr id="2053" name="Rectangle 2"/>
+          <p:cNvSpPr>
+            <a:spLocks noChangeArrowheads="1"/>
+          </p:cNvSpPr>
+          <p:nvPr/>
+        </p:nvSpPr>
+        <p:spPr bwMode="auto">
+          <a:xfrm>
+            <a:off x="1524001" y="-184666"/>
+            <a:ext cx="184731" cy="369332"/>
+          </a:xfrm>
+          <a:prstGeom prst="rect">
+            <a:avLst/>
+          </a:prstGeom>
+          <a:noFill/>
+          <a:ln>
+            <a:noFill/>
+          </a:ln>
+          <a:extLst>
+            <a:ext uri="{909E8E84-426E-40DD-AFC4-6F175D3DCCD1}">
+              <a14:hiddenFill xmlns:a14="http://schemas.microsoft.com/office/drawing/2010/main">
+                <a:solidFill>
+                  <a:srgbClr val="FFFFFF"/>
+                </a:solidFill>
+              </a14:hiddenFill>
+            </a:ext>
+            <a:ext uri="{91240B29-F687-4F45-9708-019B960494DF}">
+              <a14:hiddenLine xmlns:a14="http://schemas.microsoft.com/office/drawing/2010/main" w="9525" algn="ctr">
+                <a:solidFill>
+                  <a:srgbClr val="000000"/>
+                </a:solidFill>
+                <a:miter lim="800000"/>
+                <a:headEnd/>
+                <a:tailEnd/>
+              </a14:hiddenLine>
+            </a:ext>
+          </a:extLst>
+        </p:spPr>
+        <p:txBody>
+          <a:bodyPr wrap="none" anchor="ctr">
+            <a:spAutoFit/>
+          </a:bodyPr>
+          <a:lstStyle/>
+          <a:p>
+            <a:pPr>
+              <a:spcBef>
+                <a:spcPct val="20000"/>
+              </a:spcBef>
+              <a:buClr>
+                <a:schemeClr val="accent2"/>
+              </a:buClr>
+              <a:buSzPct val="70000"/>
+              <a:buFont typeface="Wingdings" pitchFamily="2" charset="2"/>
+              <a:buNone/>
+            </a:pPr>
+            <a:endParaRPr lang="zh-CN" altLang="en-US"/>
+          </a:p>
+        </p:txBody>
+      </p:sp>
+      <p:pic>
+        <p:nvPicPr>
+          <p:cNvPr id="1026" name="Picture 2"/>
+          <p:cNvPicPr>
+            <a:picLocks noChangeAspect="1" noChangeArrowheads="1"/>
+          </p:cNvPicPr>
+          <p:nvPr/>
+        </p:nvPicPr>
+        <p:blipFill>
+          <a:blip r:embed="rId2">
+            <a:extLst>
+              <a:ext uri="{BEBA8EAE-BF5A-486C-A8C5-ECC9F3942E4B}">
+                <a14:imgProps xmlns:a14="http://schemas.microsoft.com/office/drawing/2010/main">
+                  <a14:imgLayer r:embed="rId3">
+                    <a14:imgEffect>
+                      <a14:sharpenSoften amount="50000"/>
+                    </a14:imgEffect>
+                  </a14:imgLayer>
+                </a14:imgProps>
+              </a:ext>
+              <a:ext uri="{28A0092B-C50C-407E-A947-70E740481C1C}">
+                <a14:useLocalDpi xmlns:a14="http://schemas.microsoft.com/office/drawing/2010/main" val="0"/>
+              </a:ext>
+            </a:extLst>
+          </a:blip>
+          <a:srcRect/>
+          <a:stretch>
+            <a:fillRect/>
+          </a:stretch>
+        </p:blipFill>
+        <p:spPr bwMode="auto">
+          <a:xfrm>
+            <a:off x="1343472" y="2276872"/>
+            <a:ext cx="9669238" cy="4224734"/>
+          </a:xfrm>
+          <a:prstGeom prst="rect">
+            <a:avLst/>
+          </a:prstGeom>
+          <a:noFill/>
+          <a:ln w="9525">
+            <a:solidFill>
+              <a:schemeClr val="tx1"/>
+            </a:solidFill>
+            <a:miter lim="800000"/>
+            <a:headEnd/>
+            <a:tailEnd/>
+          </a:ln>
+          <a:effectLst>
+            <a:outerShdw dist="35921" dir="2700000" algn="ctr" rotWithShape="0">
+              <a:schemeClr val="bg2"/>
+            </a:outerShdw>
+          </a:effectLst>
+          <a:extLst>
+            <a:ext uri="{909E8E84-426E-40DD-AFC4-6F175D3DCCD1}">
+              <a14:hiddenFill xmlns:a14="http://schemas.microsoft.com/office/drawing/2010/main">
+                <a:solidFill>
+                  <a:schemeClr val="accent1"/>
+                </a:solidFill>
+              </a14:hiddenFill>
+            </a:ext>
+          </a:extLst>
+        </p:spPr>
+      </p:pic>
+    </p:spTree>
+    <p:extLst>
+      <p:ext uri="{BB962C8B-B14F-4D97-AF65-F5344CB8AC3E}">
+        <p14:creationId xmlns:p14="http://schemas.microsoft.com/office/powerpoint/2010/main" val="2923164377"/>
+      </p:ext>
+    </p:extLst>
+  </p:cSld>
+  <p:clrMapOvr>
+    <a:masterClrMapping/>
+  </p:clrMapOvr>
+  <p:timing>
+    <p:tnLst>
+      <p:par>
+        <p:cTn id="1" dur="indefinite" restart="never" nodeType="tmRoot"/>
+      </p:par>
+    </p:tnLst>
+  </p:timing>
+</p:sld>
+</file>
+
+<file path=ppt/slides/slide6.xml><?xml version="1.0" encoding="utf-8"?>
+<p:sld xmlns:a="http://schemas.openxmlformats.org/drawingml/2006/main" xmlns:r="http://schemas.openxmlformats.org/officeDocument/2006/relationships" xmlns:p="http://schemas.openxmlformats.org/presentationml/2006/main">
+  <p:cSld>
+    <p:spTree>
+      <p:nvGrpSpPr>
+        <p:cNvPr id="1" name=""/>
+        <p:cNvGrpSpPr/>
+        <p:nvPr/>
+      </p:nvGrpSpPr>
+      <p:grpSpPr>
+        <a:xfrm>
+          <a:off x="0" y="0"/>
+          <a:ext cx="0" cy="0"/>
+          <a:chOff x="0" y="0"/>
+          <a:chExt cx="0" cy="0"/>
+        </a:xfrm>
+      </p:grpSpPr>
+      <p:sp>
+        <p:nvSpPr>
+          <p:cNvPr id="2" name="标题 1"/>
+          <p:cNvSpPr>
+            <a:spLocks noGrp="1"/>
+          </p:cNvSpPr>
+          <p:nvPr>
+            <p:ph type="title"/>
+          </p:nvPr>
+        </p:nvSpPr>
+        <p:spPr>
+          <a:xfrm>
+            <a:off x="609600" y="274638"/>
+            <a:ext cx="10972800" cy="1143000"/>
+          </a:xfrm>
+        </p:spPr>
+        <p:txBody>
+          <a:bodyPr/>
+          <a:lstStyle/>
+          <a:p>
             <a:pPr>
               <a:defRPr/>
             </a:pPr>
@@ -9769,7 +10776,7 @@
 </p:sld>
 </file>
 
-<file path=ppt/slides/slide6.xml><?xml version="1.0" encoding="utf-8"?>
+<file path=ppt/slides/slide7.xml><?xml version="1.0" encoding="utf-8"?>
 <p:sld xmlns:a="http://schemas.openxmlformats.org/drawingml/2006/main" xmlns:r="http://schemas.openxmlformats.org/officeDocument/2006/relationships" xmlns:p="http://schemas.openxmlformats.org/presentationml/2006/main">
   <p:cSld>
     <p:spTree>
@@ -10021,7 +11028,7 @@
               <a:defRPr/>
             </a:pPr>
             <a:r>
-              <a:rPr lang="en-US" altLang="zh-CN" sz="2800" b="1">
+              <a:rPr lang="en-US" altLang="zh-CN" sz="2800" b="1" dirty="0">
                 <a:solidFill>
                   <a:schemeClr val="tx1">
                     <a:lumMod val="85000"/>
@@ -10038,7 +11045,7 @@
               <a:defRPr/>
             </a:pPr>
             <a:r>
-              <a:rPr lang="en-US" altLang="zh-CN" sz="2800" b="1" smtClean="0">
+              <a:rPr lang="en-US" altLang="zh-CN" sz="2800" b="1" dirty="0" err="1" smtClean="0">
                 <a:solidFill>
                   <a:schemeClr val="tx1">
                     <a:lumMod val="85000"/>
@@ -10047,10 +11054,22 @@
                 </a:solidFill>
                 <a:latin typeface="Consolas" panose="020B0609020204030204" pitchFamily="49" charset="0"/>
               </a:rPr>
-              <a:t>i.setAction(</a:t>
-            </a:r>
-            <a:r>
-              <a:rPr lang="en-US" altLang="zh-CN" sz="2800" b="1" smtClean="0">
+              <a:t>i.setAction</a:t>
+            </a:r>
+            <a:r>
+              <a:rPr lang="en-US" altLang="zh-CN" sz="2800" b="1" dirty="0" smtClean="0">
+                <a:solidFill>
+                  <a:schemeClr val="tx1">
+                    <a:lumMod val="85000"/>
+                    <a:lumOff val="15000"/>
+                  </a:schemeClr>
+                </a:solidFill>
+                <a:latin typeface="Consolas" panose="020B0609020204030204" pitchFamily="49" charset="0"/>
+              </a:rPr>
+              <a:t>(</a:t>
+            </a:r>
+            <a:r>
+              <a:rPr lang="en-US" altLang="zh-CN" sz="2800" b="1" dirty="0" err="1" smtClean="0">
                 <a:solidFill>
                   <a:srgbClr val="C00000"/>
                 </a:solidFill>
@@ -10059,7 +11078,7 @@
               <a:t>Intent.ACTION_DIAL</a:t>
             </a:r>
             <a:r>
-              <a:rPr lang="en-US" altLang="zh-CN" sz="2800" b="1" smtClean="0">
+              <a:rPr lang="en-US" altLang="zh-CN" sz="2800" b="1" dirty="0" smtClean="0">
                 <a:solidFill>
                   <a:schemeClr val="tx1">
                     <a:lumMod val="85000"/>
@@ -10070,7 +11089,7 @@
               </a:rPr>
               <a:t>); </a:t>
             </a:r>
-            <a:endParaRPr lang="en-US" altLang="zh-CN" sz="2800" b="1">
+            <a:endParaRPr lang="en-US" altLang="zh-CN" sz="2800" b="1" dirty="0">
               <a:solidFill>
                 <a:schemeClr val="tx1">
                   <a:lumMod val="85000"/>
@@ -10085,7 +11104,7 @@
               <a:defRPr/>
             </a:pPr>
             <a:r>
-              <a:rPr lang="en-US" altLang="zh-CN" sz="2800" b="1" smtClean="0">
+              <a:rPr lang="en-US" altLang="zh-CN" sz="2800" b="1" dirty="0" err="1" smtClean="0">
                 <a:solidFill>
                   <a:schemeClr val="tx1">
                     <a:lumMod val="85000"/>
@@ -10094,30 +11113,51 @@
                 </a:solidFill>
                 <a:latin typeface="Consolas" panose="020B0609020204030204" pitchFamily="49" charset="0"/>
               </a:rPr>
-              <a:t>i.setData(</a:t>
-            </a:r>
-            <a:r>
-              <a:rPr lang="en-US" altLang="zh-CN" sz="2800" b="1" smtClean="0">
+              <a:t>i.setData</a:t>
+            </a:r>
+            <a:r>
+              <a:rPr lang="en-US" altLang="zh-CN" sz="2800" b="1" dirty="0" smtClean="0">
+                <a:solidFill>
+                  <a:schemeClr val="tx1">
+                    <a:lumMod val="85000"/>
+                    <a:lumOff val="15000"/>
+                  </a:schemeClr>
+                </a:solidFill>
+                <a:latin typeface="Consolas" panose="020B0609020204030204" pitchFamily="49" charset="0"/>
+              </a:rPr>
+              <a:t>(</a:t>
+            </a:r>
+            <a:r>
+              <a:rPr lang="en-US" altLang="zh-CN" sz="2800" b="1" dirty="0" err="1" smtClean="0">
                 <a:solidFill>
                   <a:srgbClr val="C00000"/>
                 </a:solidFill>
                 <a:latin typeface="Consolas" panose="020B0609020204030204" pitchFamily="49" charset="0"/>
               </a:rPr>
-              <a:t>Uri.parse("tel:10086")</a:t>
-            </a:r>
-            <a:r>
-              <a:rPr lang="en-US" altLang="zh-CN" sz="2800" b="1" smtClean="0">
-                <a:solidFill>
-                  <a:schemeClr val="tx1">
-                    <a:lumMod val="85000"/>
-                    <a:lumOff val="15000"/>
-                  </a:schemeClr>
+              <a:t>Uri.parse</a:t>
+            </a:r>
+            <a:r>
+              <a:rPr lang="en-US" altLang="zh-CN" sz="2800" b="1" dirty="0" smtClean="0">
+                <a:solidFill>
+                  <a:srgbClr val="C00000"/>
                 </a:solidFill>
                 <a:latin typeface="Consolas" panose="020B0609020204030204" pitchFamily="49" charset="0"/>
               </a:rPr>
+              <a:t>("tel:10086")</a:t>
+            </a:r>
+            <a:r>
+              <a:rPr lang="en-US" altLang="zh-CN" sz="2800" b="1" dirty="0" smtClean="0">
+                <a:solidFill>
+                  <a:schemeClr val="tx1">
+                    <a:lumMod val="85000"/>
+                    <a:lumOff val="15000"/>
+                  </a:schemeClr>
+                </a:solidFill>
+                <a:latin typeface="Consolas" panose="020B0609020204030204" pitchFamily="49" charset="0"/>
+              </a:rPr>
               <a:t>);</a:t>
             </a:r>
-            <a:endParaRPr lang="en-US" altLang="zh-CN" sz="2800" b="1">
+            <a:endParaRPr lang="en-US" altLang="zh-CN" sz="2800" b="1" dirty="0">
               <a:solidFill>
                 <a:schemeClr val="tx1">
                   <a:lumMod val="85000"/>
@@ -10132,7 +11172,7 @@
               <a:defRPr/>
             </a:pPr>
             <a:r>
-              <a:rPr lang="en-US" altLang="zh-CN" sz="2800" b="1" smtClean="0">
+              <a:rPr lang="en-US" altLang="zh-CN" sz="2800" b="1" dirty="0" err="1" smtClean="0">
                 <a:solidFill>
                   <a:schemeClr val="tx1">
                     <a:lumMod val="85000"/>
@@ -10141,9 +11181,21 @@
                 </a:solidFill>
                 <a:latin typeface="Consolas" panose="020B0609020204030204" pitchFamily="49" charset="0"/>
               </a:rPr>
-              <a:t>startActivity(i);</a:t>
-            </a:r>
-            <a:endParaRPr lang="en-US" altLang="zh-CN" sz="2800" b="1">
+              <a:t>startActivity</a:t>
+            </a:r>
+            <a:r>
+              <a:rPr lang="en-US" altLang="zh-CN" sz="2800" b="1" dirty="0" smtClean="0">
+                <a:solidFill>
+                  <a:schemeClr val="tx1">
+                    <a:lumMod val="85000"/>
+                    <a:lumOff val="15000"/>
+                  </a:schemeClr>
+                </a:solidFill>
+                <a:latin typeface="Consolas" panose="020B0609020204030204" pitchFamily="49" charset="0"/>
+              </a:rPr>
+              <a:t>(i);</a:t>
+            </a:r>
+            <a:endParaRPr lang="en-US" altLang="zh-CN" sz="2800" b="1" dirty="0">
               <a:solidFill>
                 <a:schemeClr val="tx1">
                   <a:lumMod val="85000"/>
@@ -10189,7 +11241,7 @@
               <a:defRPr/>
             </a:pPr>
             <a:r>
-              <a:rPr lang="en-US" altLang="zh-CN" sz="2800" smtClean="0">
+              <a:rPr lang="en-US" altLang="zh-CN" sz="2800" dirty="0" err="1" smtClean="0">
                 <a:solidFill>
                   <a:srgbClr val="C00000"/>
                 </a:solidFill>
@@ -10216,21 +11268,10 @@
                   </a:schemeClr>
                 </a:solidFill>
               </a:rPr>
-              <a:t>拨打电话应用程序所匹配</a:t>
-            </a:r>
-            <a:r>
-              <a:rPr lang="zh-CN" altLang="en-US" sz="2800">
-                <a:solidFill>
-                  <a:schemeClr val="tx1">
-                    <a:lumMod val="85000"/>
-                    <a:lumOff val="15000"/>
-                  </a:schemeClr>
-                </a:solidFill>
-              </a:rPr>
-              <a:t>的</a:t>
-            </a:r>
-            <a:r>
-              <a:rPr lang="zh-CN" altLang="en-US" sz="2800" smtClean="0">
+              <a:t>拨打电话应用程序所匹配的</a:t>
+            </a:r>
+            <a:r>
+              <a:rPr lang="zh-CN" altLang="en-US" sz="2800" dirty="0" smtClean="0">
                 <a:solidFill>
                   <a:schemeClr val="tx1">
                     <a:lumMod val="85000"/>
@@ -10241,7 +11282,7 @@
               <a:t>动作</a:t>
             </a:r>
             <a:r>
-              <a:rPr lang="en-US" altLang="zh-CN" sz="2800" smtClean="0">
+              <a:rPr lang="en-US" altLang="zh-CN" sz="2800" dirty="0" smtClean="0">
                 <a:solidFill>
                   <a:schemeClr val="tx1">
                     <a:lumMod val="85000"/>
@@ -10252,7 +11293,7 @@
               <a:t>Action</a:t>
             </a:r>
             <a:r>
-              <a:rPr lang="zh-CN" altLang="en-US" sz="2800" smtClean="0">
+              <a:rPr lang="zh-CN" altLang="en-US" sz="2800" dirty="0" smtClean="0">
                 <a:solidFill>
                   <a:schemeClr val="tx1">
                     <a:lumMod val="85000"/>
@@ -10303,21 +11344,10 @@
                   </a:schemeClr>
                 </a:solidFill>
               </a:rPr>
-              <a:t>可以使用简写</a:t>
-            </a:r>
-            <a:r>
-              <a:rPr lang="zh-CN" altLang="en-US" sz="2800">
-                <a:solidFill>
-                  <a:schemeClr val="tx1">
-                    <a:lumMod val="85000"/>
-                    <a:lumOff val="15000"/>
-                  </a:schemeClr>
-                </a:solidFill>
-              </a:rPr>
-              <a:t>形式</a:t>
-            </a:r>
-            <a:r>
-              <a:rPr lang="zh-CN" altLang="en-US" sz="2800" smtClean="0">
+              <a:t>可以使用简写形式</a:t>
+            </a:r>
+            <a:r>
+              <a:rPr lang="zh-CN" altLang="en-US" sz="2800" dirty="0" smtClean="0">
                 <a:solidFill>
                   <a:schemeClr val="tx1">
                     <a:lumMod val="85000"/>
@@ -10398,7 +11428,7 @@
               <a:defRPr/>
             </a:pPr>
             <a:r>
-              <a:rPr lang="en-US" altLang="zh-CN" sz="2800" b="1">
+              <a:rPr lang="en-US" altLang="zh-CN" sz="2800" b="1" dirty="0">
                 <a:solidFill>
                   <a:schemeClr val="tx1">
                     <a:lumMod val="85000"/>
@@ -10407,10 +11437,22 @@
                 </a:solidFill>
                 <a:latin typeface="Consolas" panose="020B0609020204030204" pitchFamily="49" charset="0"/>
               </a:rPr>
-              <a:t>Intent i = new Intent(Intent.ACTION_DIAL</a:t>
-            </a:r>
-            <a:r>
-              <a:rPr lang="en-US" altLang="zh-CN" sz="2800" b="1" smtClean="0">
+              <a:t>Intent i = new Intent(</a:t>
+            </a:r>
+            <a:r>
+              <a:rPr lang="en-US" altLang="zh-CN" sz="2800" b="1" dirty="0" err="1">
+                <a:solidFill>
+                  <a:schemeClr val="tx1">
+                    <a:lumMod val="85000"/>
+                    <a:lumOff val="15000"/>
+                  </a:schemeClr>
+                </a:solidFill>
+                <a:latin typeface="Consolas" panose="020B0609020204030204" pitchFamily="49" charset="0"/>
+              </a:rPr>
+              <a:t>Intent.ACTION_DIAL</a:t>
+            </a:r>
+            <a:r>
+              <a:rPr lang="en-US" altLang="zh-CN" sz="2800" b="1" dirty="0" smtClean="0">
                 <a:solidFill>
                   <a:schemeClr val="tx1">
                     <a:lumMod val="85000"/>
@@ -10427,7 +11469,7 @@
               <a:defRPr/>
             </a:pPr>
             <a:r>
-              <a:rPr lang="en-US" altLang="zh-CN" sz="2800" b="1">
+              <a:rPr lang="en-US" altLang="zh-CN" sz="2800" b="1" dirty="0">
                 <a:solidFill>
                   <a:schemeClr val="tx1">
                     <a:lumMod val="85000"/>
@@ -10439,7 +11481,7 @@
               <a:t> </a:t>
             </a:r>
             <a:r>
-              <a:rPr lang="en-US" altLang="zh-CN" sz="2800" b="1" smtClean="0">
+              <a:rPr lang="en-US" altLang="zh-CN" sz="2800" b="1" dirty="0" smtClean="0">
                 <a:solidFill>
                   <a:schemeClr val="tx1">
                     <a:lumMod val="85000"/>
@@ -10451,7 +11493,7 @@
               <a:t>                     </a:t>
             </a:r>
             <a:r>
-              <a:rPr lang="en-US" altLang="zh-CN" sz="2800" b="1">
+              <a:rPr lang="en-US" altLang="zh-CN" sz="2800" b="1" dirty="0" err="1">
                 <a:solidFill>
                   <a:schemeClr val="tx1">
                     <a:lumMod val="85000"/>
@@ -10460,7 +11502,19 @@
                 </a:solidFill>
                 <a:latin typeface="Consolas" panose="020B0609020204030204" pitchFamily="49" charset="0"/>
               </a:rPr>
-              <a:t>Uri.parse("tel:10086"));</a:t>
+              <a:t>Uri.parse</a:t>
+            </a:r>
+            <a:r>
+              <a:rPr lang="en-US" altLang="zh-CN" sz="2800" b="1" dirty="0">
+                <a:solidFill>
+                  <a:schemeClr val="tx1">
+                    <a:lumMod val="85000"/>
+                    <a:lumOff val="15000"/>
+                  </a:schemeClr>
+                </a:solidFill>
+                <a:latin typeface="Consolas" panose="020B0609020204030204" pitchFamily="49" charset="0"/>
+              </a:rPr>
+              <a:t>("tel:10086"));</a:t>
             </a:r>
           </a:p>
           <a:p>
@@ -10468,7 +11522,7 @@
               <a:defRPr/>
             </a:pPr>
             <a:r>
-              <a:rPr lang="en-US" altLang="zh-CN" sz="2800" b="1">
+              <a:rPr lang="en-US" altLang="zh-CN" sz="2800" b="1" dirty="0" err="1">
                 <a:solidFill>
                   <a:schemeClr val="tx1">
                     <a:lumMod val="85000"/>
@@ -10477,7 +11531,19 @@
                 </a:solidFill>
                 <a:latin typeface="Consolas" panose="020B0609020204030204" pitchFamily="49" charset="0"/>
               </a:rPr>
-              <a:t>startActivity(i);</a:t>
+              <a:t>startActivity</a:t>
+            </a:r>
+            <a:r>
+              <a:rPr lang="en-US" altLang="zh-CN" sz="2800" b="1" dirty="0">
+                <a:solidFill>
+                  <a:schemeClr val="tx1">
+                    <a:lumMod val="85000"/>
+                    <a:lumOff val="15000"/>
+                  </a:schemeClr>
+                </a:solidFill>
+                <a:latin typeface="Consolas" panose="020B0609020204030204" pitchFamily="49" charset="0"/>
+              </a:rPr>
+              <a:t>(i);</a:t>
             </a:r>
           </a:p>
         </p:txBody>
@@ -10737,7 +11803,7 @@
 </p:sld>
 </file>
 
-<file path=ppt/slides/slide7.xml><?xml version="1.0" encoding="utf-8"?>
+<file path=ppt/slides/slide8.xml><?xml version="1.0" encoding="utf-8"?>
 <p:sld xmlns:a="http://schemas.openxmlformats.org/drawingml/2006/main" xmlns:r="http://schemas.openxmlformats.org/officeDocument/2006/relationships" xmlns:p="http://schemas.openxmlformats.org/presentationml/2006/main">
   <p:cSld>
     <p:spTree>
@@ -12254,7 +13320,7 @@
 </p:sld>
 </file>
 
-<file path=ppt/slides/slide8.xml><?xml version="1.0" encoding="utf-8"?>
+<file path=ppt/slides/slide9.xml><?xml version="1.0" encoding="utf-8"?>
 <p:sld xmlns:a="http://schemas.openxmlformats.org/drawingml/2006/main" xmlns:r="http://schemas.openxmlformats.org/officeDocument/2006/relationships" xmlns:p="http://schemas.openxmlformats.org/presentationml/2006/main">
   <p:cSld>
     <p:spTree>
@@ -12946,742 +14012,6 @@
                                           <p:spTgt spid="9">
                                             <p:txEl>
                                               <p:pRg st="0" end="0"/>
-                                            </p:txEl>
-                                          </p:spTgt>
-                                        </p:tgtEl>
-                                        <p:attrNameLst>
-                                          <p:attrName>ppt_y</p:attrName>
-                                        </p:attrNameLst>
-                                      </p:cBhvr>
-                                      <p:tavLst>
-                                        <p:tav tm="0">
-                                          <p:val>
-                                            <p:strVal val="#ppt_y+.1"/>
-                                          </p:val>
-                                        </p:tav>
-                                        <p:tav tm="100000">
-                                          <p:val>
-                                            <p:strVal val="#ppt_y"/>
-                                          </p:val>
-                                        </p:tav>
-                                      </p:tavLst>
-                                    </p:anim>
-                                  </p:childTnLst>
-                                </p:cTn>
-                              </p:par>
-                            </p:childTnLst>
-                          </p:cTn>
-                        </p:par>
-                      </p:childTnLst>
-                    </p:cTn>
-                  </p:par>
-                </p:childTnLst>
-              </p:cTn>
-              <p:prevCondLst>
-                <p:cond evt="onPrev" delay="0">
-                  <p:tgtEl>
-                    <p:sldTgt/>
-                  </p:tgtEl>
-                </p:cond>
-              </p:prevCondLst>
-              <p:nextCondLst>
-                <p:cond evt="onNext" delay="0">
-                  <p:tgtEl>
-                    <p:sldTgt/>
-                  </p:tgtEl>
-                </p:cond>
-              </p:nextCondLst>
-            </p:seq>
-          </p:childTnLst>
-        </p:cTn>
-      </p:par>
-    </p:tnLst>
-  </p:timing>
-</p:sld>
-</file>
-
-<file path=ppt/slides/slide9.xml><?xml version="1.0" encoding="utf-8"?>
-<p:sld xmlns:a="http://schemas.openxmlformats.org/drawingml/2006/main" xmlns:r="http://schemas.openxmlformats.org/officeDocument/2006/relationships" xmlns:p="http://schemas.openxmlformats.org/presentationml/2006/main">
-  <p:cSld>
-    <p:spTree>
-      <p:nvGrpSpPr>
-        <p:cNvPr id="1" name=""/>
-        <p:cNvGrpSpPr/>
-        <p:nvPr/>
-      </p:nvGrpSpPr>
-      <p:grpSpPr>
-        <a:xfrm>
-          <a:off x="0" y="0"/>
-          <a:ext cx="0" cy="0"/>
-          <a:chOff x="0" y="0"/>
-          <a:chExt cx="0" cy="0"/>
-        </a:xfrm>
-      </p:grpSpPr>
-      <p:sp>
-        <p:nvSpPr>
-          <p:cNvPr id="2" name="标题 1"/>
-          <p:cNvSpPr>
-            <a:spLocks noGrp="1"/>
-          </p:cNvSpPr>
-          <p:nvPr>
-            <p:ph type="title"/>
-          </p:nvPr>
-        </p:nvSpPr>
-        <p:spPr>
-          <a:xfrm>
-            <a:off x="609600" y="274638"/>
-            <a:ext cx="10972800" cy="1143000"/>
-          </a:xfrm>
-        </p:spPr>
-        <p:txBody>
-          <a:bodyPr/>
-          <a:lstStyle/>
-          <a:p>
-            <a:pPr>
-              <a:defRPr/>
-            </a:pPr>
-            <a:r>
-              <a:rPr lang="zh-CN" altLang="en-US" dirty="0"/>
-              <a:t>使用</a:t>
-            </a:r>
-            <a:r>
-              <a:rPr lang="en-US" altLang="zh-CN" dirty="0"/>
-              <a:t>Intent</a:t>
-            </a:r>
-            <a:r>
-              <a:rPr lang="zh-CN" altLang="en-US" dirty="0"/>
-              <a:t>启动内置应用</a:t>
-            </a:r>
-          </a:p>
-        </p:txBody>
-      </p:sp>
-      <p:sp>
-        <p:nvSpPr>
-          <p:cNvPr id="3" name="内容占位符 2"/>
-          <p:cNvSpPr>
-            <a:spLocks noGrp="1"/>
-          </p:cNvSpPr>
-          <p:nvPr>
-            <p:ph idx="4294967295"/>
-          </p:nvPr>
-        </p:nvSpPr>
-        <p:spPr>
-          <a:xfrm>
-            <a:off x="839416" y="1484784"/>
-            <a:ext cx="10742984" cy="690662"/>
-          </a:xfrm>
-        </p:spPr>
-        <p:txBody>
-          <a:bodyPr>
-            <a:noAutofit/>
-          </a:bodyPr>
-          <a:lstStyle/>
-          <a:p>
-            <a:pPr marL="342900" lvl="1" indent="-342900">
-              <a:spcBef>
-                <a:spcPts val="600"/>
-              </a:spcBef>
-              <a:spcAft>
-                <a:spcPts val="600"/>
-              </a:spcAft>
-              <a:buFont typeface="Arial" pitchFamily="34" charset="0"/>
-              <a:buChar char="•"/>
-            </a:pPr>
-            <a:r>
-              <a:rPr lang="zh-CN" altLang="en-US" sz="3200">
-                <a:solidFill>
-                  <a:schemeClr val="tx1">
-                    <a:lumMod val="85000"/>
-                    <a:lumOff val="15000"/>
-                  </a:schemeClr>
-                </a:solidFill>
-              </a:rPr>
-              <a:t>打开地图：</a:t>
-            </a:r>
-            <a:endParaRPr lang="en-US" altLang="zh-CN" sz="3200" dirty="0">
-              <a:solidFill>
-                <a:schemeClr val="tx1">
-                  <a:lumMod val="85000"/>
-                  <a:lumOff val="15000"/>
-                </a:schemeClr>
-              </a:solidFill>
-            </a:endParaRPr>
-          </a:p>
-        </p:txBody>
-      </p:sp>
-      <p:sp>
-        <p:nvSpPr>
-          <p:cNvPr id="2053" name="Rectangle 2"/>
-          <p:cNvSpPr>
-            <a:spLocks noChangeArrowheads="1"/>
-          </p:cNvSpPr>
-          <p:nvPr/>
-        </p:nvSpPr>
-        <p:spPr bwMode="auto">
-          <a:xfrm>
-            <a:off x="1524001" y="-184666"/>
-            <a:ext cx="184731" cy="369332"/>
-          </a:xfrm>
-          <a:prstGeom prst="rect">
-            <a:avLst/>
-          </a:prstGeom>
-          <a:noFill/>
-          <a:ln>
-            <a:noFill/>
-          </a:ln>
-          <a:extLst>
-            <a:ext uri="{909E8E84-426E-40DD-AFC4-6F175D3DCCD1}">
-              <a14:hiddenFill xmlns:a14="http://schemas.microsoft.com/office/drawing/2010/main">
-                <a:solidFill>
-                  <a:srgbClr val="FFFFFF"/>
-                </a:solidFill>
-              </a14:hiddenFill>
-            </a:ext>
-            <a:ext uri="{91240B29-F687-4F45-9708-019B960494DF}">
-              <a14:hiddenLine xmlns:a14="http://schemas.microsoft.com/office/drawing/2010/main" w="9525" algn="ctr">
-                <a:solidFill>
-                  <a:srgbClr val="000000"/>
-                </a:solidFill>
-                <a:miter lim="800000"/>
-                <a:headEnd/>
-                <a:tailEnd/>
-              </a14:hiddenLine>
-            </a:ext>
-          </a:extLst>
-        </p:spPr>
-        <p:txBody>
-          <a:bodyPr wrap="none" anchor="ctr">
-            <a:spAutoFit/>
-          </a:bodyPr>
-          <a:lstStyle/>
-          <a:p>
-            <a:pPr>
-              <a:spcBef>
-                <a:spcPct val="20000"/>
-              </a:spcBef>
-              <a:buClr>
-                <a:schemeClr val="accent2"/>
-              </a:buClr>
-              <a:buSzPct val="70000"/>
-              <a:buFont typeface="Wingdings" pitchFamily="2" charset="2"/>
-              <a:buNone/>
-            </a:pPr>
-            <a:endParaRPr lang="zh-CN" altLang="en-US"/>
-          </a:p>
-        </p:txBody>
-      </p:sp>
-      <p:sp>
-        <p:nvSpPr>
-          <p:cNvPr id="7" name="矩形 6"/>
-          <p:cNvSpPr/>
-          <p:nvPr/>
-        </p:nvSpPr>
-        <p:spPr>
-          <a:xfrm>
-            <a:off x="1559496" y="2242592"/>
-            <a:ext cx="9289032" cy="1906488"/>
-          </a:xfrm>
-          <a:prstGeom prst="rect">
-            <a:avLst/>
-          </a:prstGeom>
-          <a:solidFill>
-            <a:schemeClr val="accent5">
-              <a:lumMod val="20000"/>
-              <a:lumOff val="80000"/>
-            </a:schemeClr>
-          </a:solidFill>
-          <a:ln w="38100">
-            <a:solidFill>
-              <a:schemeClr val="tx1">
-                <a:lumMod val="65000"/>
-                <a:lumOff val="35000"/>
-              </a:schemeClr>
-            </a:solidFill>
-          </a:ln>
-          <a:effectLst>
-            <a:outerShdw blurRad="50800" dist="38100" dir="2700000" algn="tl" rotWithShape="0">
-              <a:prstClr val="black">
-                <a:alpha val="40000"/>
-              </a:prstClr>
-            </a:outerShdw>
-          </a:effectLst>
-        </p:spPr>
-        <p:style>
-          <a:lnRef idx="2">
-            <a:schemeClr val="accent1">
-              <a:shade val="50000"/>
-            </a:schemeClr>
-          </a:lnRef>
-          <a:fillRef idx="1">
-            <a:schemeClr val="accent1"/>
-          </a:fillRef>
-          <a:effectRef idx="0">
-            <a:schemeClr val="accent1"/>
-          </a:effectRef>
-          <a:fontRef idx="minor">
-            <a:schemeClr val="lt1"/>
-          </a:fontRef>
-        </p:style>
-        <p:txBody>
-          <a:bodyPr rtlCol="0" anchor="ctr"/>
-          <a:lstStyle/>
-          <a:p>
-            <a:pPr>
-              <a:defRPr/>
-            </a:pPr>
-            <a:r>
-              <a:rPr lang="en-US" altLang="zh-CN" sz="2800" b="1">
-                <a:solidFill>
-                  <a:schemeClr val="tx1">
-                    <a:lumMod val="85000"/>
-                    <a:lumOff val="15000"/>
-                  </a:schemeClr>
-                </a:solidFill>
-                <a:latin typeface="Consolas" panose="020B0609020204030204" pitchFamily="49" charset="0"/>
-              </a:rPr>
-              <a:t>Intent i = new Intent();</a:t>
-            </a:r>
-          </a:p>
-          <a:p>
-            <a:pPr>
-              <a:defRPr/>
-            </a:pPr>
-            <a:r>
-              <a:rPr lang="en-US" altLang="zh-CN" sz="2800" b="1" smtClean="0">
-                <a:solidFill>
-                  <a:schemeClr val="tx1">
-                    <a:lumMod val="85000"/>
-                    <a:lumOff val="15000"/>
-                  </a:schemeClr>
-                </a:solidFill>
-                <a:latin typeface="Consolas" panose="020B0609020204030204" pitchFamily="49" charset="0"/>
-              </a:rPr>
-              <a:t>i.setAction(</a:t>
-            </a:r>
-            <a:r>
-              <a:rPr lang="en-US" altLang="zh-CN" sz="2800" b="1" smtClean="0">
-                <a:solidFill>
-                  <a:srgbClr val="C00000"/>
-                </a:solidFill>
-                <a:latin typeface="Consolas" panose="020B0609020204030204" pitchFamily="49" charset="0"/>
-              </a:rPr>
-              <a:t>Intent.ACTION_VIEW</a:t>
-            </a:r>
-            <a:r>
-              <a:rPr lang="en-US" altLang="zh-CN" sz="2800" b="1">
-                <a:solidFill>
-                  <a:schemeClr val="tx1">
-                    <a:lumMod val="85000"/>
-                    <a:lumOff val="15000"/>
-                  </a:schemeClr>
-                </a:solidFill>
-                <a:latin typeface="Consolas" panose="020B0609020204030204" pitchFamily="49" charset="0"/>
-              </a:rPr>
-              <a:t>); </a:t>
-            </a:r>
-          </a:p>
-          <a:p>
-            <a:pPr>
-              <a:defRPr/>
-            </a:pPr>
-            <a:r>
-              <a:rPr lang="en-US" altLang="zh-CN" sz="2800" b="1" smtClean="0">
-                <a:solidFill>
-                  <a:schemeClr val="tx1">
-                    <a:lumMod val="85000"/>
-                    <a:lumOff val="15000"/>
-                  </a:schemeClr>
-                </a:solidFill>
-                <a:latin typeface="Consolas" panose="020B0609020204030204" pitchFamily="49" charset="0"/>
-              </a:rPr>
-              <a:t>i.setData(Uri.parse("</a:t>
-            </a:r>
-            <a:r>
-              <a:rPr lang="en-US" altLang="zh-CN" sz="2800" b="1" smtClean="0">
-                <a:solidFill>
-                  <a:srgbClr val="C00000"/>
-                </a:solidFill>
-                <a:latin typeface="Consolas" panose="020B0609020204030204" pitchFamily="49" charset="0"/>
-              </a:rPr>
-              <a:t>geo:39.89,116.3</a:t>
-            </a:r>
-            <a:r>
-              <a:rPr lang="en-US" altLang="zh-CN" sz="2800" b="1" smtClean="0">
-                <a:solidFill>
-                  <a:schemeClr val="tx1">
-                    <a:lumMod val="85000"/>
-                    <a:lumOff val="15000"/>
-                  </a:schemeClr>
-                </a:solidFill>
-                <a:latin typeface="Consolas" panose="020B0609020204030204" pitchFamily="49" charset="0"/>
-              </a:rPr>
-              <a:t>"));</a:t>
-            </a:r>
-            <a:endParaRPr lang="en-US" altLang="zh-CN" sz="2800" b="1">
-              <a:solidFill>
-                <a:schemeClr val="tx1">
-                  <a:lumMod val="85000"/>
-                  <a:lumOff val="15000"/>
-                </a:schemeClr>
-              </a:solidFill>
-              <a:latin typeface="Consolas" panose="020B0609020204030204" pitchFamily="49" charset="0"/>
-            </a:endParaRPr>
-          </a:p>
-          <a:p>
-            <a:pPr>
-              <a:defRPr/>
-            </a:pPr>
-            <a:r>
-              <a:rPr lang="en-US" altLang="zh-CN" sz="2800" b="1" smtClean="0">
-                <a:solidFill>
-                  <a:schemeClr val="tx1">
-                    <a:lumMod val="85000"/>
-                    <a:lumOff val="15000"/>
-                  </a:schemeClr>
-                </a:solidFill>
-                <a:latin typeface="Consolas" panose="020B0609020204030204" pitchFamily="49" charset="0"/>
-              </a:rPr>
-              <a:t>startActivity(i);</a:t>
-            </a:r>
-            <a:endParaRPr lang="en-US" altLang="zh-CN" sz="2800" b="1">
-              <a:solidFill>
-                <a:schemeClr val="tx1">
-                  <a:lumMod val="85000"/>
-                  <a:lumOff val="15000"/>
-                </a:schemeClr>
-              </a:solidFill>
-              <a:latin typeface="Consolas" panose="020B0609020204030204" pitchFamily="49" charset="0"/>
-            </a:endParaRPr>
-          </a:p>
-        </p:txBody>
-      </p:sp>
-      <p:sp>
-        <p:nvSpPr>
-          <p:cNvPr id="9" name="内容占位符 2"/>
-          <p:cNvSpPr>
-            <a:spLocks noGrp="1"/>
-          </p:cNvSpPr>
-          <p:nvPr>
-            <p:ph idx="4294967295"/>
-          </p:nvPr>
-        </p:nvSpPr>
-        <p:spPr>
-          <a:xfrm>
-            <a:off x="839416" y="4349874"/>
-            <a:ext cx="9865096" cy="1167358"/>
-          </a:xfrm>
-        </p:spPr>
-        <p:txBody>
-          <a:bodyPr>
-            <a:noAutofit/>
-          </a:bodyPr>
-          <a:lstStyle/>
-          <a:p>
-            <a:pPr marL="857250" lvl="2" indent="-457200">
-              <a:spcBef>
-                <a:spcPts val="600"/>
-              </a:spcBef>
-              <a:spcAft>
-                <a:spcPts val="600"/>
-              </a:spcAft>
-              <a:buFont typeface="微软雅黑" panose="020B0503020204020204" pitchFamily="34" charset="-122"/>
-              <a:buChar char="‐"/>
-              <a:defRPr/>
-            </a:pPr>
-            <a:r>
-              <a:rPr lang="en-US" altLang="zh-CN" sz="2800">
-                <a:solidFill>
-                  <a:schemeClr val="tx1">
-                    <a:lumMod val="85000"/>
-                    <a:lumOff val="15000"/>
-                  </a:schemeClr>
-                </a:solidFill>
-              </a:rPr>
-              <a:t>geo</a:t>
-            </a:r>
-            <a:r>
-              <a:rPr lang="zh-CN" altLang="en-US" sz="2800">
-                <a:solidFill>
-                  <a:schemeClr val="tx1">
-                    <a:lumMod val="85000"/>
-                    <a:lumOff val="15000"/>
-                  </a:schemeClr>
-                </a:solidFill>
-              </a:rPr>
-              <a:t>：后的参数代表当前地理位置的经度和纬度</a:t>
-            </a:r>
-            <a:r>
-              <a:rPr lang="zh-CN" altLang="en-US" sz="2800" smtClean="0">
-                <a:solidFill>
-                  <a:schemeClr val="tx1">
-                    <a:lumMod val="85000"/>
-                    <a:lumOff val="15000"/>
-                  </a:schemeClr>
-                </a:solidFill>
-              </a:rPr>
-              <a:t>值</a:t>
-            </a:r>
-            <a:r>
-              <a:rPr lang="zh-CN" altLang="en-US" sz="2800">
-                <a:solidFill>
-                  <a:schemeClr val="tx1">
-                    <a:lumMod val="85000"/>
-                    <a:lumOff val="15000"/>
-                  </a:schemeClr>
-                </a:solidFill>
-              </a:rPr>
-              <a:t>。</a:t>
-            </a:r>
-          </a:p>
-          <a:p>
-            <a:pPr marL="857250" lvl="2" indent="-457200">
-              <a:spcBef>
-                <a:spcPts val="600"/>
-              </a:spcBef>
-              <a:spcAft>
-                <a:spcPts val="600"/>
-              </a:spcAft>
-              <a:buFont typeface="微软雅黑" panose="020B0503020204020204" pitchFamily="34" charset="-122"/>
-              <a:buChar char="‐"/>
-              <a:defRPr/>
-            </a:pPr>
-            <a:r>
-              <a:rPr lang="zh-CN" altLang="en-US" sz="2800">
-                <a:solidFill>
-                  <a:schemeClr val="tx1">
-                    <a:lumMod val="85000"/>
-                    <a:lumOff val="15000"/>
-                  </a:schemeClr>
-                </a:solidFill>
-              </a:rPr>
-              <a:t>该段代码会打开本机默认的地图</a:t>
-            </a:r>
-            <a:r>
-              <a:rPr lang="zh-CN" altLang="en-US" sz="2800" smtClean="0">
-                <a:solidFill>
-                  <a:schemeClr val="tx1">
-                    <a:lumMod val="85000"/>
-                    <a:lumOff val="15000"/>
-                  </a:schemeClr>
-                </a:solidFill>
-              </a:rPr>
-              <a:t>软件。</a:t>
-            </a:r>
-            <a:endParaRPr lang="zh-CN" altLang="en-US" sz="2800">
-              <a:solidFill>
-                <a:schemeClr val="tx1">
-                  <a:lumMod val="85000"/>
-                  <a:lumOff val="15000"/>
-                </a:schemeClr>
-              </a:solidFill>
-            </a:endParaRPr>
-          </a:p>
-        </p:txBody>
-      </p:sp>
-    </p:spTree>
-    <p:extLst>
-      <p:ext uri="{BB962C8B-B14F-4D97-AF65-F5344CB8AC3E}">
-        <p14:creationId xmlns:p14="http://schemas.microsoft.com/office/powerpoint/2010/main" val="1566637519"/>
-      </p:ext>
-    </p:extLst>
-  </p:cSld>
-  <p:clrMapOvr>
-    <a:masterClrMapping/>
-  </p:clrMapOvr>
-  <p:timing>
-    <p:tnLst>
-      <p:par>
-        <p:cTn id="1" dur="indefinite" restart="never" nodeType="tmRoot">
-          <p:childTnLst>
-            <p:seq concurrent="1" nextAc="seek">
-              <p:cTn id="2" dur="indefinite" nodeType="mainSeq">
-                <p:childTnLst>
-                  <p:par>
-                    <p:cTn id="3" fill="hold">
-                      <p:stCondLst>
-                        <p:cond delay="indefinite"/>
-                        <p:cond evt="onBegin" delay="0">
-                          <p:tn val="2"/>
-                        </p:cond>
-                      </p:stCondLst>
-                      <p:childTnLst>
-                        <p:par>
-                          <p:cTn id="4" fill="hold">
-                            <p:stCondLst>
-                              <p:cond delay="0"/>
-                            </p:stCondLst>
-                            <p:childTnLst>
-                              <p:par>
-                                <p:cTn id="5" presetID="42" presetClass="entr" presetSubtype="0" fill="hold" nodeType="withEffect">
-                                  <p:stCondLst>
-                                    <p:cond delay="0"/>
-                                  </p:stCondLst>
-                                  <p:childTnLst>
-                                    <p:set>
-                                      <p:cBhvr>
-                                        <p:cTn id="6" dur="1" fill="hold">
-                                          <p:stCondLst>
-                                            <p:cond delay="0"/>
-                                          </p:stCondLst>
-                                        </p:cTn>
-                                        <p:tgtEl>
-                                          <p:spTgt spid="9">
-                                            <p:txEl>
-                                              <p:pRg st="0" end="0"/>
-                                            </p:txEl>
-                                          </p:spTgt>
-                                        </p:tgtEl>
-                                        <p:attrNameLst>
-                                          <p:attrName>style.visibility</p:attrName>
-                                        </p:attrNameLst>
-                                      </p:cBhvr>
-                                      <p:to>
-                                        <p:strVal val="visible"/>
-                                      </p:to>
-                                    </p:set>
-                                    <p:animEffect transition="in" filter="fade">
-                                      <p:cBhvr>
-                                        <p:cTn id="7" dur="1000"/>
-                                        <p:tgtEl>
-                                          <p:spTgt spid="9">
-                                            <p:txEl>
-                                              <p:pRg st="0" end="0"/>
-                                            </p:txEl>
-                                          </p:spTgt>
-                                        </p:tgtEl>
-                                      </p:cBhvr>
-                                    </p:animEffect>
-                                    <p:anim calcmode="lin" valueType="num">
-                                      <p:cBhvr>
-                                        <p:cTn id="8" dur="1000" fill="hold"/>
-                                        <p:tgtEl>
-                                          <p:spTgt spid="9">
-                                            <p:txEl>
-                                              <p:pRg st="0" end="0"/>
-                                            </p:txEl>
-                                          </p:spTgt>
-                                        </p:tgtEl>
-                                        <p:attrNameLst>
-                                          <p:attrName>ppt_x</p:attrName>
-                                        </p:attrNameLst>
-                                      </p:cBhvr>
-                                      <p:tavLst>
-                                        <p:tav tm="0">
-                                          <p:val>
-                                            <p:strVal val="#ppt_x"/>
-                                          </p:val>
-                                        </p:tav>
-                                        <p:tav tm="100000">
-                                          <p:val>
-                                            <p:strVal val="#ppt_x"/>
-                                          </p:val>
-                                        </p:tav>
-                                      </p:tavLst>
-                                    </p:anim>
-                                    <p:anim calcmode="lin" valueType="num">
-                                      <p:cBhvr>
-                                        <p:cTn id="9" dur="1000" fill="hold"/>
-                                        <p:tgtEl>
-                                          <p:spTgt spid="9">
-                                            <p:txEl>
-                                              <p:pRg st="0" end="0"/>
-                                            </p:txEl>
-                                          </p:spTgt>
-                                        </p:tgtEl>
-                                        <p:attrNameLst>
-                                          <p:attrName>ppt_y</p:attrName>
-                                        </p:attrNameLst>
-                                      </p:cBhvr>
-                                      <p:tavLst>
-                                        <p:tav tm="0">
-                                          <p:val>
-                                            <p:strVal val="#ppt_y+.1"/>
-                                          </p:val>
-                                        </p:tav>
-                                        <p:tav tm="100000">
-                                          <p:val>
-                                            <p:strVal val="#ppt_y"/>
-                                          </p:val>
-                                        </p:tav>
-                                      </p:tavLst>
-                                    </p:anim>
-                                  </p:childTnLst>
-                                </p:cTn>
-                              </p:par>
-                              <p:par>
-                                <p:cTn id="10" presetID="42" presetClass="entr" presetSubtype="0" fill="hold" nodeType="withEffect">
-                                  <p:stCondLst>
-                                    <p:cond delay="0"/>
-                                  </p:stCondLst>
-                                  <p:childTnLst>
-                                    <p:set>
-                                      <p:cBhvr>
-                                        <p:cTn id="11" dur="1" fill="hold">
-                                          <p:stCondLst>
-                                            <p:cond delay="0"/>
-                                          </p:stCondLst>
-                                        </p:cTn>
-                                        <p:tgtEl>
-                                          <p:spTgt spid="9">
-                                            <p:txEl>
-                                              <p:pRg st="1" end="1"/>
-                                            </p:txEl>
-                                          </p:spTgt>
-                                        </p:tgtEl>
-                                        <p:attrNameLst>
-                                          <p:attrName>style.visibility</p:attrName>
-                                        </p:attrNameLst>
-                                      </p:cBhvr>
-                                      <p:to>
-                                        <p:strVal val="visible"/>
-                                      </p:to>
-                                    </p:set>
-                                    <p:animEffect transition="in" filter="fade">
-                                      <p:cBhvr>
-                                        <p:cTn id="12" dur="1000"/>
-                                        <p:tgtEl>
-                                          <p:spTgt spid="9">
-                                            <p:txEl>
-                                              <p:pRg st="1" end="1"/>
-                                            </p:txEl>
-                                          </p:spTgt>
-                                        </p:tgtEl>
-                                      </p:cBhvr>
-                                    </p:animEffect>
-                                    <p:anim calcmode="lin" valueType="num">
-                                      <p:cBhvr>
-                                        <p:cTn id="13" dur="1000" fill="hold"/>
-                                        <p:tgtEl>
-                                          <p:spTgt spid="9">
-                                            <p:txEl>
-                                              <p:pRg st="1" end="1"/>
-                                            </p:txEl>
-                                          </p:spTgt>
-                                        </p:tgtEl>
-                                        <p:attrNameLst>
-                                          <p:attrName>ppt_x</p:attrName>
-                                        </p:attrNameLst>
-                                      </p:cBhvr>
-                                      <p:tavLst>
-                                        <p:tav tm="0">
-                                          <p:val>
-                                            <p:strVal val="#ppt_x"/>
-                                          </p:val>
-                                        </p:tav>
-                                        <p:tav tm="100000">
-                                          <p:val>
-                                            <p:strVal val="#ppt_x"/>
-                                          </p:val>
-                                        </p:tav>
-                                      </p:tavLst>
-                                    </p:anim>
-                                    <p:anim calcmode="lin" valueType="num">
-                                      <p:cBhvr>
-                                        <p:cTn id="14" dur="1000" fill="hold"/>
-                                        <p:tgtEl>
-                                          <p:spTgt spid="9">
-                                            <p:txEl>
-                                              <p:pRg st="1" end="1"/>
                                             </p:txEl>
                                           </p:spTgt>
                                         </p:tgtEl>
